--- a/Class_Materials/3.Phylogenies/Figures/figs.pptx
+++ b/Class_Materials/3.Phylogenies/Figures/figs.pptx
@@ -6,6 +6,12 @@
   </p:sldMasterIdLst>
   <p:sldIdLst>
     <p:sldId id="256" r:id="rId2"/>
+    <p:sldId id="257" r:id="rId3"/>
+    <p:sldId id="258" r:id="rId4"/>
+    <p:sldId id="259" r:id="rId5"/>
+    <p:sldId id="260" r:id="rId6"/>
+    <p:sldId id="261" r:id="rId7"/>
+    <p:sldId id="262" r:id="rId8"/>
   </p:sldIdLst>
   <p:sldSz cx="12192000" cy="6858000"/>
   <p:notesSz cx="6858000" cy="9144000"/>
@@ -6120,6 +6126,2801 @@
 </p:sld>
 </file>
 
+<file path=ppt/slides/slide2.xml><?xml version="1.0" encoding="utf-8"?>
+<p:sld xmlns:a="http://schemas.openxmlformats.org/drawingml/2006/main" xmlns:r="http://schemas.openxmlformats.org/officeDocument/2006/relationships" xmlns:p="http://schemas.openxmlformats.org/presentationml/2006/main">
+  <p:cSld>
+    <p:spTree>
+      <p:nvGrpSpPr>
+        <p:cNvPr id="1" name=""/>
+        <p:cNvGrpSpPr/>
+        <p:nvPr/>
+      </p:nvGrpSpPr>
+      <p:grpSpPr>
+        <a:xfrm>
+          <a:off x="0" y="0"/>
+          <a:ext cx="0" cy="0"/>
+          <a:chOff x="0" y="0"/>
+          <a:chExt cx="0" cy="0"/>
+        </a:xfrm>
+      </p:grpSpPr>
+      <p:grpSp>
+        <p:nvGrpSpPr>
+          <p:cNvPr id="7" name="Group 6">
+            <a:extLst>
+              <a:ext uri="{FF2B5EF4-FFF2-40B4-BE49-F238E27FC236}">
+                <a16:creationId xmlns:a16="http://schemas.microsoft.com/office/drawing/2014/main" id="{D237014B-8234-1346-81F3-B57CD8C9B96A}"/>
+              </a:ext>
+            </a:extLst>
+          </p:cNvPr>
+          <p:cNvGrpSpPr/>
+          <p:nvPr/>
+        </p:nvGrpSpPr>
+        <p:grpSpPr>
+          <a:xfrm>
+            <a:off x="925655" y="251402"/>
+            <a:ext cx="10183779" cy="883716"/>
+            <a:chOff x="925655" y="251402"/>
+            <a:chExt cx="10183779" cy="883716"/>
+          </a:xfrm>
+        </p:grpSpPr>
+        <p:pic>
+          <p:nvPicPr>
+            <p:cNvPr id="4" name="Picture 3">
+              <a:extLst>
+                <a:ext uri="{FF2B5EF4-FFF2-40B4-BE49-F238E27FC236}">
+                  <a16:creationId xmlns:a16="http://schemas.microsoft.com/office/drawing/2014/main" id="{6CDF9F37-C929-BE4A-AA6F-39463BC68235}"/>
+                </a:ext>
+              </a:extLst>
+            </p:cNvPr>
+            <p:cNvPicPr>
+              <a:picLocks noChangeAspect="1"/>
+            </p:cNvPicPr>
+            <p:nvPr/>
+          </p:nvPicPr>
+          <p:blipFill>
+            <a:blip r:embed="rId2"/>
+            <a:stretch>
+              <a:fillRect/>
+            </a:stretch>
+          </p:blipFill>
+          <p:spPr>
+            <a:xfrm>
+              <a:off x="925655" y="251402"/>
+              <a:ext cx="10183779" cy="883716"/>
+            </a:xfrm>
+            <a:prstGeom prst="rect">
+              <a:avLst/>
+            </a:prstGeom>
+          </p:spPr>
+        </p:pic>
+        <p:sp>
+          <p:nvSpPr>
+            <p:cNvPr id="6" name="Donut 5">
+              <a:extLst>
+                <a:ext uri="{FF2B5EF4-FFF2-40B4-BE49-F238E27FC236}">
+                  <a16:creationId xmlns:a16="http://schemas.microsoft.com/office/drawing/2014/main" id="{D5802CA1-1B5E-FC45-A8A3-F471376FD65E}"/>
+                </a:ext>
+              </a:extLst>
+            </p:cNvPr>
+            <p:cNvSpPr/>
+            <p:nvPr/>
+          </p:nvSpPr>
+          <p:spPr>
+            <a:xfrm>
+              <a:off x="2175640" y="462032"/>
+              <a:ext cx="1597573" cy="483476"/>
+            </a:xfrm>
+            <a:prstGeom prst="donut">
+              <a:avLst>
+                <a:gd name="adj" fmla="val 9722"/>
+              </a:avLst>
+            </a:prstGeom>
+            <a:solidFill>
+              <a:schemeClr val="accent4">
+                <a:lumMod val="60000"/>
+                <a:lumOff val="40000"/>
+              </a:schemeClr>
+            </a:solidFill>
+            <a:ln>
+              <a:solidFill>
+                <a:schemeClr val="tx1"/>
+              </a:solidFill>
+            </a:ln>
+          </p:spPr>
+          <p:style>
+            <a:lnRef idx="2">
+              <a:schemeClr val="accent1">
+                <a:shade val="50000"/>
+              </a:schemeClr>
+            </a:lnRef>
+            <a:fillRef idx="1">
+              <a:schemeClr val="accent1"/>
+            </a:fillRef>
+            <a:effectRef idx="0">
+              <a:schemeClr val="accent1"/>
+            </a:effectRef>
+            <a:fontRef idx="minor">
+              <a:schemeClr val="lt1"/>
+            </a:fontRef>
+          </p:style>
+          <p:txBody>
+            <a:bodyPr rtlCol="0" anchor="ctr"/>
+            <a:lstStyle/>
+            <a:p>
+              <a:pPr algn="ctr"/>
+              <a:endParaRPr lang="en-US">
+                <a:solidFill>
+                  <a:schemeClr val="tx1"/>
+                </a:solidFill>
+              </a:endParaRPr>
+            </a:p>
+          </p:txBody>
+        </p:sp>
+      </p:grpSp>
+      <p:grpSp>
+        <p:nvGrpSpPr>
+          <p:cNvPr id="9" name="Group 8">
+            <a:extLst>
+              <a:ext uri="{FF2B5EF4-FFF2-40B4-BE49-F238E27FC236}">
+                <a16:creationId xmlns:a16="http://schemas.microsoft.com/office/drawing/2014/main" id="{B21A846D-F2EB-7844-BC23-E323B70271B0}"/>
+              </a:ext>
+            </a:extLst>
+          </p:cNvPr>
+          <p:cNvGrpSpPr/>
+          <p:nvPr/>
+        </p:nvGrpSpPr>
+        <p:grpSpPr>
+          <a:xfrm>
+            <a:off x="925655" y="2304850"/>
+            <a:ext cx="9955427" cy="3289208"/>
+            <a:chOff x="925655" y="2304850"/>
+            <a:chExt cx="9955427" cy="3289208"/>
+          </a:xfrm>
+        </p:grpSpPr>
+        <p:pic>
+          <p:nvPicPr>
+            <p:cNvPr id="5" name="Picture 4">
+              <a:extLst>
+                <a:ext uri="{FF2B5EF4-FFF2-40B4-BE49-F238E27FC236}">
+                  <a16:creationId xmlns:a16="http://schemas.microsoft.com/office/drawing/2014/main" id="{EBBDC43A-80F1-C24F-BD84-296C38D3548D}"/>
+                </a:ext>
+              </a:extLst>
+            </p:cNvPr>
+            <p:cNvPicPr>
+              <a:picLocks noChangeAspect="1"/>
+            </p:cNvPicPr>
+            <p:nvPr/>
+          </p:nvPicPr>
+          <p:blipFill>
+            <a:blip r:embed="rId3"/>
+            <a:stretch>
+              <a:fillRect/>
+            </a:stretch>
+          </p:blipFill>
+          <p:spPr>
+            <a:xfrm>
+              <a:off x="925655" y="2304850"/>
+              <a:ext cx="9955427" cy="3289208"/>
+            </a:xfrm>
+            <a:prstGeom prst="rect">
+              <a:avLst/>
+            </a:prstGeom>
+          </p:spPr>
+        </p:pic>
+        <p:sp>
+          <p:nvSpPr>
+            <p:cNvPr id="8" name="Left Arrow 7">
+              <a:extLst>
+                <a:ext uri="{FF2B5EF4-FFF2-40B4-BE49-F238E27FC236}">
+                  <a16:creationId xmlns:a16="http://schemas.microsoft.com/office/drawing/2014/main" id="{A77BE944-8FA0-9D45-93D8-272990D7A2F5}"/>
+                </a:ext>
+              </a:extLst>
+            </p:cNvPr>
+            <p:cNvSpPr/>
+            <p:nvPr/>
+          </p:nvSpPr>
+          <p:spPr>
+            <a:xfrm>
+              <a:off x="5773711" y="2554013"/>
+              <a:ext cx="644577" cy="420414"/>
+            </a:xfrm>
+            <a:prstGeom prst="leftArrow">
+              <a:avLst/>
+            </a:prstGeom>
+            <a:solidFill>
+              <a:schemeClr val="accent4">
+                <a:lumMod val="60000"/>
+                <a:lumOff val="40000"/>
+              </a:schemeClr>
+            </a:solidFill>
+          </p:spPr>
+          <p:style>
+            <a:lnRef idx="2">
+              <a:schemeClr val="accent1">
+                <a:shade val="50000"/>
+              </a:schemeClr>
+            </a:lnRef>
+            <a:fillRef idx="1">
+              <a:schemeClr val="accent1"/>
+            </a:fillRef>
+            <a:effectRef idx="0">
+              <a:schemeClr val="accent1"/>
+            </a:effectRef>
+            <a:fontRef idx="minor">
+              <a:schemeClr val="lt1"/>
+            </a:fontRef>
+          </p:style>
+          <p:txBody>
+            <a:bodyPr rtlCol="0" anchor="ctr"/>
+            <a:lstStyle/>
+            <a:p>
+              <a:pPr algn="ctr"/>
+              <a:endParaRPr lang="en-US"/>
+            </a:p>
+          </p:txBody>
+        </p:sp>
+      </p:grpSp>
+    </p:spTree>
+    <p:extLst>
+      <p:ext uri="{BB962C8B-B14F-4D97-AF65-F5344CB8AC3E}">
+        <p14:creationId xmlns:p14="http://schemas.microsoft.com/office/powerpoint/2010/main" val="2956477819"/>
+      </p:ext>
+    </p:extLst>
+  </p:cSld>
+  <p:clrMapOvr>
+    <a:masterClrMapping/>
+  </p:clrMapOvr>
+</p:sld>
+</file>
+
+<file path=ppt/slides/slide3.xml><?xml version="1.0" encoding="utf-8"?>
+<p:sld xmlns:a="http://schemas.openxmlformats.org/drawingml/2006/main" xmlns:r="http://schemas.openxmlformats.org/officeDocument/2006/relationships" xmlns:p="http://schemas.openxmlformats.org/presentationml/2006/main">
+  <p:cSld>
+    <p:spTree>
+      <p:nvGrpSpPr>
+        <p:cNvPr id="1" name=""/>
+        <p:cNvGrpSpPr/>
+        <p:nvPr/>
+      </p:nvGrpSpPr>
+      <p:grpSpPr>
+        <a:xfrm>
+          <a:off x="0" y="0"/>
+          <a:ext cx="0" cy="0"/>
+          <a:chOff x="0" y="0"/>
+          <a:chExt cx="0" cy="0"/>
+        </a:xfrm>
+      </p:grpSpPr>
+      <p:grpSp>
+        <p:nvGrpSpPr>
+          <p:cNvPr id="9" name="Group 8">
+            <a:extLst>
+              <a:ext uri="{FF2B5EF4-FFF2-40B4-BE49-F238E27FC236}">
+                <a16:creationId xmlns:a16="http://schemas.microsoft.com/office/drawing/2014/main" id="{4ED2B102-4907-4342-95C7-A34115C3F0AB}"/>
+              </a:ext>
+            </a:extLst>
+          </p:cNvPr>
+          <p:cNvGrpSpPr/>
+          <p:nvPr/>
+        </p:nvGrpSpPr>
+        <p:grpSpPr>
+          <a:xfrm>
+            <a:off x="1978756" y="160638"/>
+            <a:ext cx="7649064" cy="6351373"/>
+            <a:chOff x="1978756" y="160638"/>
+            <a:chExt cx="7649064" cy="6351373"/>
+          </a:xfrm>
+        </p:grpSpPr>
+        <p:pic>
+          <p:nvPicPr>
+            <p:cNvPr id="4" name="Picture 3">
+              <a:extLst>
+                <a:ext uri="{FF2B5EF4-FFF2-40B4-BE49-F238E27FC236}">
+                  <a16:creationId xmlns:a16="http://schemas.microsoft.com/office/drawing/2014/main" id="{02A8D6CE-E7D5-6048-AD17-1B0CBA0F68B9}"/>
+                </a:ext>
+              </a:extLst>
+            </p:cNvPr>
+            <p:cNvPicPr>
+              <a:picLocks noChangeAspect="1"/>
+            </p:cNvPicPr>
+            <p:nvPr/>
+          </p:nvPicPr>
+          <p:blipFill>
+            <a:blip r:embed="rId2"/>
+            <a:stretch>
+              <a:fillRect/>
+            </a:stretch>
+          </p:blipFill>
+          <p:spPr>
+            <a:xfrm>
+              <a:off x="1978756" y="160638"/>
+              <a:ext cx="7649064" cy="6351373"/>
+            </a:xfrm>
+            <a:prstGeom prst="rect">
+              <a:avLst/>
+            </a:prstGeom>
+          </p:spPr>
+        </p:pic>
+        <p:sp>
+          <p:nvSpPr>
+            <p:cNvPr id="5" name="Left Arrow 4">
+              <a:extLst>
+                <a:ext uri="{FF2B5EF4-FFF2-40B4-BE49-F238E27FC236}">
+                  <a16:creationId xmlns:a16="http://schemas.microsoft.com/office/drawing/2014/main" id="{111F3632-3652-DF45-A64E-C63660A878FF}"/>
+                </a:ext>
+              </a:extLst>
+            </p:cNvPr>
+            <p:cNvSpPr/>
+            <p:nvPr/>
+          </p:nvSpPr>
+          <p:spPr>
+            <a:xfrm>
+              <a:off x="3818805" y="893379"/>
+              <a:ext cx="469415" cy="266309"/>
+            </a:xfrm>
+            <a:prstGeom prst="leftArrow">
+              <a:avLst/>
+            </a:prstGeom>
+            <a:solidFill>
+              <a:srgbClr val="FF0000"/>
+            </a:solidFill>
+            <a:ln>
+              <a:solidFill>
+                <a:schemeClr val="tx1"/>
+              </a:solidFill>
+            </a:ln>
+          </p:spPr>
+          <p:style>
+            <a:lnRef idx="2">
+              <a:schemeClr val="accent1">
+                <a:shade val="50000"/>
+              </a:schemeClr>
+            </a:lnRef>
+            <a:fillRef idx="1">
+              <a:schemeClr val="accent1"/>
+            </a:fillRef>
+            <a:effectRef idx="0">
+              <a:schemeClr val="accent1"/>
+            </a:effectRef>
+            <a:fontRef idx="minor">
+              <a:schemeClr val="lt1"/>
+            </a:fontRef>
+          </p:style>
+          <p:txBody>
+            <a:bodyPr rtlCol="0" anchor="ctr"/>
+            <a:lstStyle/>
+            <a:p>
+              <a:pPr algn="ctr"/>
+              <a:endParaRPr lang="en-US"/>
+            </a:p>
+          </p:txBody>
+        </p:sp>
+        <p:sp>
+          <p:nvSpPr>
+            <p:cNvPr id="6" name="Left Arrow 5">
+              <a:extLst>
+                <a:ext uri="{FF2B5EF4-FFF2-40B4-BE49-F238E27FC236}">
+                  <a16:creationId xmlns:a16="http://schemas.microsoft.com/office/drawing/2014/main" id="{232D0898-D679-8749-BE42-0959879C23C1}"/>
+                </a:ext>
+              </a:extLst>
+            </p:cNvPr>
+            <p:cNvSpPr/>
+            <p:nvPr/>
+          </p:nvSpPr>
+          <p:spPr>
+            <a:xfrm>
+              <a:off x="3818804" y="2443654"/>
+              <a:ext cx="469415" cy="266309"/>
+            </a:xfrm>
+            <a:prstGeom prst="leftArrow">
+              <a:avLst/>
+            </a:prstGeom>
+            <a:solidFill>
+              <a:srgbClr val="FF0000"/>
+            </a:solidFill>
+            <a:ln>
+              <a:solidFill>
+                <a:schemeClr val="tx1"/>
+              </a:solidFill>
+            </a:ln>
+          </p:spPr>
+          <p:style>
+            <a:lnRef idx="2">
+              <a:schemeClr val="accent1">
+                <a:shade val="50000"/>
+              </a:schemeClr>
+            </a:lnRef>
+            <a:fillRef idx="1">
+              <a:schemeClr val="accent1"/>
+            </a:fillRef>
+            <a:effectRef idx="0">
+              <a:schemeClr val="accent1"/>
+            </a:effectRef>
+            <a:fontRef idx="minor">
+              <a:schemeClr val="lt1"/>
+            </a:fontRef>
+          </p:style>
+          <p:txBody>
+            <a:bodyPr rtlCol="0" anchor="ctr"/>
+            <a:lstStyle/>
+            <a:p>
+              <a:pPr algn="ctr"/>
+              <a:endParaRPr lang="en-US"/>
+            </a:p>
+          </p:txBody>
+        </p:sp>
+        <p:sp>
+          <p:nvSpPr>
+            <p:cNvPr id="7" name="Left Arrow 6">
+              <a:extLst>
+                <a:ext uri="{FF2B5EF4-FFF2-40B4-BE49-F238E27FC236}">
+                  <a16:creationId xmlns:a16="http://schemas.microsoft.com/office/drawing/2014/main" id="{30239DBC-30A3-7948-AEC1-D9D3A8491D16}"/>
+                </a:ext>
+              </a:extLst>
+            </p:cNvPr>
+            <p:cNvSpPr/>
+            <p:nvPr/>
+          </p:nvSpPr>
+          <p:spPr>
+            <a:xfrm>
+              <a:off x="3908142" y="3981713"/>
+              <a:ext cx="469415" cy="266309"/>
+            </a:xfrm>
+            <a:prstGeom prst="leftArrow">
+              <a:avLst/>
+            </a:prstGeom>
+            <a:solidFill>
+              <a:srgbClr val="00B050"/>
+            </a:solidFill>
+            <a:ln>
+              <a:solidFill>
+                <a:schemeClr val="tx1"/>
+              </a:solidFill>
+            </a:ln>
+          </p:spPr>
+          <p:style>
+            <a:lnRef idx="2">
+              <a:schemeClr val="accent1">
+                <a:shade val="50000"/>
+              </a:schemeClr>
+            </a:lnRef>
+            <a:fillRef idx="1">
+              <a:schemeClr val="accent1"/>
+            </a:fillRef>
+            <a:effectRef idx="0">
+              <a:schemeClr val="accent1"/>
+            </a:effectRef>
+            <a:fontRef idx="minor">
+              <a:schemeClr val="lt1"/>
+            </a:fontRef>
+          </p:style>
+          <p:txBody>
+            <a:bodyPr rtlCol="0" anchor="ctr"/>
+            <a:lstStyle/>
+            <a:p>
+              <a:pPr algn="ctr"/>
+              <a:endParaRPr lang="en-US"/>
+            </a:p>
+          </p:txBody>
+        </p:sp>
+        <p:sp>
+          <p:nvSpPr>
+            <p:cNvPr id="8" name="Left Arrow 7">
+              <a:extLst>
+                <a:ext uri="{FF2B5EF4-FFF2-40B4-BE49-F238E27FC236}">
+                  <a16:creationId xmlns:a16="http://schemas.microsoft.com/office/drawing/2014/main" id="{17C366EF-AA02-4240-96C2-E3E387E8460C}"/>
+                </a:ext>
+              </a:extLst>
+            </p:cNvPr>
+            <p:cNvSpPr/>
+            <p:nvPr/>
+          </p:nvSpPr>
+          <p:spPr>
+            <a:xfrm>
+              <a:off x="3867874" y="5531988"/>
+              <a:ext cx="469415" cy="266309"/>
+            </a:xfrm>
+            <a:prstGeom prst="leftArrow">
+              <a:avLst/>
+            </a:prstGeom>
+            <a:solidFill>
+              <a:srgbClr val="00B050"/>
+            </a:solidFill>
+            <a:ln>
+              <a:solidFill>
+                <a:schemeClr val="tx1"/>
+              </a:solidFill>
+            </a:ln>
+          </p:spPr>
+          <p:style>
+            <a:lnRef idx="2">
+              <a:schemeClr val="accent1">
+                <a:shade val="50000"/>
+              </a:schemeClr>
+            </a:lnRef>
+            <a:fillRef idx="1">
+              <a:schemeClr val="accent1"/>
+            </a:fillRef>
+            <a:effectRef idx="0">
+              <a:schemeClr val="accent1"/>
+            </a:effectRef>
+            <a:fontRef idx="minor">
+              <a:schemeClr val="lt1"/>
+            </a:fontRef>
+          </p:style>
+          <p:txBody>
+            <a:bodyPr rtlCol="0" anchor="ctr"/>
+            <a:lstStyle/>
+            <a:p>
+              <a:pPr algn="ctr"/>
+              <a:endParaRPr lang="en-US"/>
+            </a:p>
+          </p:txBody>
+        </p:sp>
+      </p:grpSp>
+    </p:spTree>
+    <p:extLst>
+      <p:ext uri="{BB962C8B-B14F-4D97-AF65-F5344CB8AC3E}">
+        <p14:creationId xmlns:p14="http://schemas.microsoft.com/office/powerpoint/2010/main" val="1520324369"/>
+      </p:ext>
+    </p:extLst>
+  </p:cSld>
+  <p:clrMapOvr>
+    <a:masterClrMapping/>
+  </p:clrMapOvr>
+</p:sld>
+</file>
+
+<file path=ppt/slides/slide4.xml><?xml version="1.0" encoding="utf-8"?>
+<p:sld xmlns:a="http://schemas.openxmlformats.org/drawingml/2006/main" xmlns:r="http://schemas.openxmlformats.org/officeDocument/2006/relationships" xmlns:p="http://schemas.openxmlformats.org/presentationml/2006/main">
+  <p:cSld>
+    <p:spTree>
+      <p:nvGrpSpPr>
+        <p:cNvPr id="1" name=""/>
+        <p:cNvGrpSpPr/>
+        <p:nvPr/>
+      </p:nvGrpSpPr>
+      <p:grpSpPr>
+        <a:xfrm>
+          <a:off x="0" y="0"/>
+          <a:ext cx="0" cy="0"/>
+          <a:chOff x="0" y="0"/>
+          <a:chExt cx="0" cy="0"/>
+        </a:xfrm>
+      </p:grpSpPr>
+      <p:grpSp>
+        <p:nvGrpSpPr>
+          <p:cNvPr id="6" name="Group 5">
+            <a:extLst>
+              <a:ext uri="{FF2B5EF4-FFF2-40B4-BE49-F238E27FC236}">
+                <a16:creationId xmlns:a16="http://schemas.microsoft.com/office/drawing/2014/main" id="{62010E9C-BEE5-5140-880E-D9216AC81D75}"/>
+              </a:ext>
+            </a:extLst>
+          </p:cNvPr>
+          <p:cNvGrpSpPr/>
+          <p:nvPr/>
+        </p:nvGrpSpPr>
+        <p:grpSpPr>
+          <a:xfrm>
+            <a:off x="2467060" y="378769"/>
+            <a:ext cx="4737100" cy="5803900"/>
+            <a:chOff x="2467060" y="378769"/>
+            <a:chExt cx="4737100" cy="5803900"/>
+          </a:xfrm>
+        </p:grpSpPr>
+        <p:pic>
+          <p:nvPicPr>
+            <p:cNvPr id="4" name="Picture 3">
+              <a:extLst>
+                <a:ext uri="{FF2B5EF4-FFF2-40B4-BE49-F238E27FC236}">
+                  <a16:creationId xmlns:a16="http://schemas.microsoft.com/office/drawing/2014/main" id="{FC0EAB37-D0CF-CB42-8B7D-FF622FB8328E}"/>
+                </a:ext>
+              </a:extLst>
+            </p:cNvPr>
+            <p:cNvPicPr>
+              <a:picLocks noChangeAspect="1"/>
+            </p:cNvPicPr>
+            <p:nvPr/>
+          </p:nvPicPr>
+          <p:blipFill>
+            <a:blip r:embed="rId2"/>
+            <a:stretch>
+              <a:fillRect/>
+            </a:stretch>
+          </p:blipFill>
+          <p:spPr>
+            <a:xfrm>
+              <a:off x="2467060" y="378769"/>
+              <a:ext cx="4737100" cy="5803900"/>
+            </a:xfrm>
+            <a:prstGeom prst="rect">
+              <a:avLst/>
+            </a:prstGeom>
+          </p:spPr>
+        </p:pic>
+        <p:sp>
+          <p:nvSpPr>
+            <p:cNvPr id="5" name="Donut 4">
+              <a:extLst>
+                <a:ext uri="{FF2B5EF4-FFF2-40B4-BE49-F238E27FC236}">
+                  <a16:creationId xmlns:a16="http://schemas.microsoft.com/office/drawing/2014/main" id="{95764856-F178-2246-87EC-7BACBD803C91}"/>
+                </a:ext>
+              </a:extLst>
+            </p:cNvPr>
+            <p:cNvSpPr/>
+            <p:nvPr/>
+          </p:nvSpPr>
+          <p:spPr>
+            <a:xfrm>
+              <a:off x="4036823" y="433593"/>
+              <a:ext cx="1597573" cy="483476"/>
+            </a:xfrm>
+            <a:prstGeom prst="donut">
+              <a:avLst>
+                <a:gd name="adj" fmla="val 9722"/>
+              </a:avLst>
+            </a:prstGeom>
+            <a:solidFill>
+              <a:schemeClr val="accent4">
+                <a:lumMod val="60000"/>
+                <a:lumOff val="40000"/>
+              </a:schemeClr>
+            </a:solidFill>
+            <a:ln>
+              <a:solidFill>
+                <a:schemeClr val="tx1"/>
+              </a:solidFill>
+            </a:ln>
+          </p:spPr>
+          <p:style>
+            <a:lnRef idx="2">
+              <a:schemeClr val="accent1">
+                <a:shade val="50000"/>
+              </a:schemeClr>
+            </a:lnRef>
+            <a:fillRef idx="1">
+              <a:schemeClr val="accent1"/>
+            </a:fillRef>
+            <a:effectRef idx="0">
+              <a:schemeClr val="accent1"/>
+            </a:effectRef>
+            <a:fontRef idx="minor">
+              <a:schemeClr val="lt1"/>
+            </a:fontRef>
+          </p:style>
+          <p:txBody>
+            <a:bodyPr rtlCol="0" anchor="ctr"/>
+            <a:lstStyle/>
+            <a:p>
+              <a:pPr algn="ctr"/>
+              <a:endParaRPr lang="en-US">
+                <a:solidFill>
+                  <a:schemeClr val="tx1"/>
+                </a:solidFill>
+              </a:endParaRPr>
+            </a:p>
+          </p:txBody>
+        </p:sp>
+      </p:grpSp>
+    </p:spTree>
+    <p:extLst>
+      <p:ext uri="{BB962C8B-B14F-4D97-AF65-F5344CB8AC3E}">
+        <p14:creationId xmlns:p14="http://schemas.microsoft.com/office/powerpoint/2010/main" val="616288562"/>
+      </p:ext>
+    </p:extLst>
+  </p:cSld>
+  <p:clrMapOvr>
+    <a:masterClrMapping/>
+  </p:clrMapOvr>
+</p:sld>
+</file>
+
+<file path=ppt/slides/slide5.xml><?xml version="1.0" encoding="utf-8"?>
+<p:sld xmlns:a="http://schemas.openxmlformats.org/drawingml/2006/main" xmlns:r="http://schemas.openxmlformats.org/officeDocument/2006/relationships" xmlns:p="http://schemas.openxmlformats.org/presentationml/2006/main">
+  <p:cSld>
+    <p:spTree>
+      <p:nvGrpSpPr>
+        <p:cNvPr id="1" name=""/>
+        <p:cNvGrpSpPr/>
+        <p:nvPr/>
+      </p:nvGrpSpPr>
+      <p:grpSpPr>
+        <a:xfrm>
+          <a:off x="0" y="0"/>
+          <a:ext cx="0" cy="0"/>
+          <a:chOff x="0" y="0"/>
+          <a:chExt cx="0" cy="0"/>
+        </a:xfrm>
+      </p:grpSpPr>
+      <p:grpSp>
+        <p:nvGrpSpPr>
+          <p:cNvPr id="34" name="Group 33">
+            <a:extLst>
+              <a:ext uri="{FF2B5EF4-FFF2-40B4-BE49-F238E27FC236}">
+                <a16:creationId xmlns:a16="http://schemas.microsoft.com/office/drawing/2014/main" id="{84A48515-F730-5C45-9974-193F92B29BB6}"/>
+              </a:ext>
+            </a:extLst>
+          </p:cNvPr>
+          <p:cNvGrpSpPr/>
+          <p:nvPr/>
+        </p:nvGrpSpPr>
+        <p:grpSpPr>
+          <a:xfrm>
+            <a:off x="525517" y="840828"/>
+            <a:ext cx="5291958" cy="3237186"/>
+            <a:chOff x="525517" y="840828"/>
+            <a:chExt cx="5291958" cy="3237186"/>
+          </a:xfrm>
+        </p:grpSpPr>
+        <p:sp>
+          <p:nvSpPr>
+            <p:cNvPr id="33" name="Rounded Rectangle 32">
+              <a:extLst>
+                <a:ext uri="{FF2B5EF4-FFF2-40B4-BE49-F238E27FC236}">
+                  <a16:creationId xmlns:a16="http://schemas.microsoft.com/office/drawing/2014/main" id="{0E5A5FA7-8A41-814B-8ED3-2565C1100835}"/>
+                </a:ext>
+              </a:extLst>
+            </p:cNvPr>
+            <p:cNvSpPr/>
+            <p:nvPr/>
+          </p:nvSpPr>
+          <p:spPr>
+            <a:xfrm>
+              <a:off x="525517" y="840828"/>
+              <a:ext cx="4981905" cy="3237186"/>
+            </a:xfrm>
+            <a:prstGeom prst="roundRect">
+              <a:avLst/>
+            </a:prstGeom>
+            <a:ln>
+              <a:noFill/>
+            </a:ln>
+          </p:spPr>
+          <p:style>
+            <a:lnRef idx="2">
+              <a:schemeClr val="accent6"/>
+            </a:lnRef>
+            <a:fillRef idx="1">
+              <a:schemeClr val="lt1"/>
+            </a:fillRef>
+            <a:effectRef idx="0">
+              <a:schemeClr val="accent6"/>
+            </a:effectRef>
+            <a:fontRef idx="minor">
+              <a:schemeClr val="dk1"/>
+            </a:fontRef>
+          </p:style>
+          <p:txBody>
+            <a:bodyPr rtlCol="0" anchor="ctr"/>
+            <a:lstStyle/>
+            <a:p>
+              <a:pPr algn="ctr"/>
+              <a:endParaRPr lang="en-US"/>
+            </a:p>
+          </p:txBody>
+        </p:sp>
+        <p:grpSp>
+          <p:nvGrpSpPr>
+            <p:cNvPr id="32" name="Group 31">
+              <a:extLst>
+                <a:ext uri="{FF2B5EF4-FFF2-40B4-BE49-F238E27FC236}">
+                  <a16:creationId xmlns:a16="http://schemas.microsoft.com/office/drawing/2014/main" id="{A309D004-42BE-3646-8463-6394DA2320D6}"/>
+                </a:ext>
+              </a:extLst>
+            </p:cNvPr>
+            <p:cNvGrpSpPr/>
+            <p:nvPr/>
+          </p:nvGrpSpPr>
+          <p:grpSpPr>
+            <a:xfrm>
+              <a:off x="861836" y="955499"/>
+              <a:ext cx="4955639" cy="2936266"/>
+              <a:chOff x="861836" y="955499"/>
+              <a:chExt cx="4955639" cy="2936266"/>
+            </a:xfrm>
+          </p:grpSpPr>
+          <p:sp>
+            <p:nvSpPr>
+              <p:cNvPr id="10" name="TextBox 9">
+                <a:extLst>
+                  <a:ext uri="{FF2B5EF4-FFF2-40B4-BE49-F238E27FC236}">
+                    <a16:creationId xmlns:a16="http://schemas.microsoft.com/office/drawing/2014/main" id="{5F01B422-8F1F-4D41-9770-30E8214791D0}"/>
+                  </a:ext>
+                </a:extLst>
+              </p:cNvPr>
+              <p:cNvSpPr txBox="1"/>
+              <p:nvPr/>
+            </p:nvSpPr>
+            <p:spPr>
+              <a:xfrm>
+                <a:off x="2349057" y="2852093"/>
+                <a:ext cx="2638097" cy="369332"/>
+              </a:xfrm>
+              <a:prstGeom prst="rect">
+                <a:avLst/>
+              </a:prstGeom>
+              <a:noFill/>
+            </p:spPr>
+            <p:txBody>
+              <a:bodyPr wrap="square" rtlCol="0">
+                <a:spAutoFit/>
+              </a:bodyPr>
+              <a:lstStyle/>
+              <a:p>
+                <a:r>
+                  <a:rPr lang="en-US" dirty="0">
+                    <a:latin typeface="Menlo" panose="020B0609030804020204" pitchFamily="49" charset="0"/>
+                    <a:ea typeface="Menlo" panose="020B0609030804020204" pitchFamily="49" charset="0"/>
+                    <a:cs typeface="Menlo" panose="020B0609030804020204" pitchFamily="49" charset="0"/>
+                  </a:rPr>
+                  <a:t>ACTG</a:t>
+                </a:r>
+                <a:r>
+                  <a:rPr lang="en-US" dirty="0">
+                    <a:solidFill>
+                      <a:srgbClr val="FF0000"/>
+                    </a:solidFill>
+                    <a:latin typeface="Menlo" panose="020B0609030804020204" pitchFamily="49" charset="0"/>
+                    <a:ea typeface="Menlo" panose="020B0609030804020204" pitchFamily="49" charset="0"/>
+                    <a:cs typeface="Menlo" panose="020B0609030804020204" pitchFamily="49" charset="0"/>
+                  </a:rPr>
+                  <a:t>C</a:t>
+                </a:r>
+                <a:r>
+                  <a:rPr lang="en-US" dirty="0">
+                    <a:latin typeface="Menlo" panose="020B0609030804020204" pitchFamily="49" charset="0"/>
+                    <a:ea typeface="Menlo" panose="020B0609030804020204" pitchFamily="49" charset="0"/>
+                    <a:cs typeface="Menlo" panose="020B0609030804020204" pitchFamily="49" charset="0"/>
+                  </a:rPr>
+                  <a:t>AACCTTGGAA</a:t>
+                </a:r>
+              </a:p>
+            </p:txBody>
+          </p:sp>
+          <p:sp>
+            <p:nvSpPr>
+              <p:cNvPr id="11" name="TextBox 10">
+                <a:extLst>
+                  <a:ext uri="{FF2B5EF4-FFF2-40B4-BE49-F238E27FC236}">
+                    <a16:creationId xmlns:a16="http://schemas.microsoft.com/office/drawing/2014/main" id="{8050C8D1-EEB3-B241-BDA2-884888A47075}"/>
+                  </a:ext>
+                </a:extLst>
+              </p:cNvPr>
+              <p:cNvSpPr txBox="1"/>
+              <p:nvPr/>
+            </p:nvSpPr>
+            <p:spPr>
+              <a:xfrm>
+                <a:off x="2349056" y="3090045"/>
+                <a:ext cx="2638097" cy="369332"/>
+              </a:xfrm>
+              <a:prstGeom prst="rect">
+                <a:avLst/>
+              </a:prstGeom>
+              <a:noFill/>
+            </p:spPr>
+            <p:txBody>
+              <a:bodyPr wrap="square" rtlCol="0">
+                <a:spAutoFit/>
+              </a:bodyPr>
+              <a:lstStyle/>
+              <a:p>
+                <a:r>
+                  <a:rPr lang="en-US" dirty="0">
+                    <a:latin typeface="Menlo" panose="020B0609030804020204" pitchFamily="49" charset="0"/>
+                    <a:ea typeface="Menlo" panose="020B0609030804020204" pitchFamily="49" charset="0"/>
+                    <a:cs typeface="Menlo" panose="020B0609030804020204" pitchFamily="49" charset="0"/>
+                  </a:rPr>
+                  <a:t>ACTGAAACCTTGGAA</a:t>
+                </a:r>
+              </a:p>
+            </p:txBody>
+          </p:sp>
+          <p:sp>
+            <p:nvSpPr>
+              <p:cNvPr id="12" name="TextBox 11">
+                <a:extLst>
+                  <a:ext uri="{FF2B5EF4-FFF2-40B4-BE49-F238E27FC236}">
+                    <a16:creationId xmlns:a16="http://schemas.microsoft.com/office/drawing/2014/main" id="{35F909A0-2E8A-7944-8645-9412FA22EBB7}"/>
+                  </a:ext>
+                </a:extLst>
+              </p:cNvPr>
+              <p:cNvSpPr txBox="1"/>
+              <p:nvPr/>
+            </p:nvSpPr>
+            <p:spPr>
+              <a:xfrm>
+                <a:off x="2349055" y="3305505"/>
+                <a:ext cx="2638097" cy="369332"/>
+              </a:xfrm>
+              <a:prstGeom prst="rect">
+                <a:avLst/>
+              </a:prstGeom>
+              <a:noFill/>
+            </p:spPr>
+            <p:txBody>
+              <a:bodyPr wrap="square" rtlCol="0">
+                <a:spAutoFit/>
+              </a:bodyPr>
+              <a:lstStyle/>
+              <a:p>
+                <a:r>
+                  <a:rPr lang="en-US" dirty="0">
+                    <a:latin typeface="Menlo" panose="020B0609030804020204" pitchFamily="49" charset="0"/>
+                    <a:ea typeface="Menlo" panose="020B0609030804020204" pitchFamily="49" charset="0"/>
+                    <a:cs typeface="Menlo" panose="020B0609030804020204" pitchFamily="49" charset="0"/>
+                  </a:rPr>
+                  <a:t>ACTG</a:t>
+                </a:r>
+                <a:r>
+                  <a:rPr lang="en-US" dirty="0">
+                    <a:solidFill>
+                      <a:srgbClr val="FF0000"/>
+                    </a:solidFill>
+                    <a:latin typeface="Menlo" panose="020B0609030804020204" pitchFamily="49" charset="0"/>
+                    <a:ea typeface="Menlo" panose="020B0609030804020204" pitchFamily="49" charset="0"/>
+                    <a:cs typeface="Menlo" panose="020B0609030804020204" pitchFamily="49" charset="0"/>
+                  </a:rPr>
+                  <a:t>T</a:t>
+                </a:r>
+                <a:r>
+                  <a:rPr lang="en-US" dirty="0">
+                    <a:latin typeface="Menlo" panose="020B0609030804020204" pitchFamily="49" charset="0"/>
+                    <a:ea typeface="Menlo" panose="020B0609030804020204" pitchFamily="49" charset="0"/>
+                    <a:cs typeface="Menlo" panose="020B0609030804020204" pitchFamily="49" charset="0"/>
+                  </a:rPr>
+                  <a:t>AACCTTGGAA</a:t>
+                </a:r>
+              </a:p>
+            </p:txBody>
+          </p:sp>
+          <p:sp>
+            <p:nvSpPr>
+              <p:cNvPr id="13" name="TextBox 12">
+                <a:extLst>
+                  <a:ext uri="{FF2B5EF4-FFF2-40B4-BE49-F238E27FC236}">
+                    <a16:creationId xmlns:a16="http://schemas.microsoft.com/office/drawing/2014/main" id="{C62D4AB9-170B-3742-B780-A734BC5644E1}"/>
+                  </a:ext>
+                </a:extLst>
+              </p:cNvPr>
+              <p:cNvSpPr txBox="1"/>
+              <p:nvPr/>
+            </p:nvSpPr>
+            <p:spPr>
+              <a:xfrm>
+                <a:off x="2349055" y="3522433"/>
+                <a:ext cx="2638097" cy="369332"/>
+              </a:xfrm>
+              <a:prstGeom prst="rect">
+                <a:avLst/>
+              </a:prstGeom>
+              <a:noFill/>
+            </p:spPr>
+            <p:txBody>
+              <a:bodyPr wrap="square" rtlCol="0">
+                <a:spAutoFit/>
+              </a:bodyPr>
+              <a:lstStyle/>
+              <a:p>
+                <a:r>
+                  <a:rPr lang="en-US" dirty="0">
+                    <a:latin typeface="Menlo" panose="020B0609030804020204" pitchFamily="49" charset="0"/>
+                    <a:ea typeface="Menlo" panose="020B0609030804020204" pitchFamily="49" charset="0"/>
+                    <a:cs typeface="Menlo" panose="020B0609030804020204" pitchFamily="49" charset="0"/>
+                  </a:rPr>
+                  <a:t>ACTGAAACC</a:t>
+                </a:r>
+                <a:r>
+                  <a:rPr lang="en-US" dirty="0">
+                    <a:solidFill>
+                      <a:srgbClr val="FF0000"/>
+                    </a:solidFill>
+                    <a:latin typeface="Menlo" panose="020B0609030804020204" pitchFamily="49" charset="0"/>
+                    <a:ea typeface="Menlo" panose="020B0609030804020204" pitchFamily="49" charset="0"/>
+                    <a:cs typeface="Menlo" panose="020B0609030804020204" pitchFamily="49" charset="0"/>
+                  </a:rPr>
+                  <a:t>A</a:t>
+                </a:r>
+                <a:r>
+                  <a:rPr lang="en-US" dirty="0">
+                    <a:latin typeface="Menlo" panose="020B0609030804020204" pitchFamily="49" charset="0"/>
+                    <a:ea typeface="Menlo" panose="020B0609030804020204" pitchFamily="49" charset="0"/>
+                    <a:cs typeface="Menlo" panose="020B0609030804020204" pitchFamily="49" charset="0"/>
+                  </a:rPr>
+                  <a:t>TGGAA</a:t>
+                </a:r>
+              </a:p>
+            </p:txBody>
+          </p:sp>
+          <p:sp>
+            <p:nvSpPr>
+              <p:cNvPr id="18" name="TextBox 17">
+                <a:extLst>
+                  <a:ext uri="{FF2B5EF4-FFF2-40B4-BE49-F238E27FC236}">
+                    <a16:creationId xmlns:a16="http://schemas.microsoft.com/office/drawing/2014/main" id="{C5E6A716-097B-DE4F-8E1B-CABA1472C695}"/>
+                  </a:ext>
+                </a:extLst>
+              </p:cNvPr>
+              <p:cNvSpPr txBox="1"/>
+              <p:nvPr/>
+            </p:nvSpPr>
+            <p:spPr>
+              <a:xfrm>
+                <a:off x="867093" y="2852093"/>
+                <a:ext cx="1481961" cy="369332"/>
+              </a:xfrm>
+              <a:prstGeom prst="rect">
+                <a:avLst/>
+              </a:prstGeom>
+              <a:noFill/>
+            </p:spPr>
+            <p:txBody>
+              <a:bodyPr wrap="square" rtlCol="0">
+                <a:spAutoFit/>
+              </a:bodyPr>
+              <a:lstStyle/>
+              <a:p>
+                <a:r>
+                  <a:rPr lang="en-US" dirty="0">
+                    <a:latin typeface="Menlo" panose="020B0609030804020204" pitchFamily="49" charset="0"/>
+                    <a:ea typeface="Menlo" panose="020B0609030804020204" pitchFamily="49" charset="0"/>
+                    <a:cs typeface="Menlo" panose="020B0609030804020204" pitchFamily="49" charset="0"/>
+                  </a:rPr>
+                  <a:t>Species 1</a:t>
+                </a:r>
+              </a:p>
+            </p:txBody>
+          </p:sp>
+          <p:sp>
+            <p:nvSpPr>
+              <p:cNvPr id="19" name="TextBox 18">
+                <a:extLst>
+                  <a:ext uri="{FF2B5EF4-FFF2-40B4-BE49-F238E27FC236}">
+                    <a16:creationId xmlns:a16="http://schemas.microsoft.com/office/drawing/2014/main" id="{D1CB0002-56BD-4C44-BF43-3C42562B9B4B}"/>
+                  </a:ext>
+                </a:extLst>
+              </p:cNvPr>
+              <p:cNvSpPr txBox="1"/>
+              <p:nvPr/>
+            </p:nvSpPr>
+            <p:spPr>
+              <a:xfrm>
+                <a:off x="867092" y="3090045"/>
+                <a:ext cx="1481961" cy="369332"/>
+              </a:xfrm>
+              <a:prstGeom prst="rect">
+                <a:avLst/>
+              </a:prstGeom>
+              <a:noFill/>
+            </p:spPr>
+            <p:txBody>
+              <a:bodyPr wrap="square" rtlCol="0">
+                <a:spAutoFit/>
+              </a:bodyPr>
+              <a:lstStyle/>
+              <a:p>
+                <a:r>
+                  <a:rPr lang="en-US" dirty="0">
+                    <a:latin typeface="Menlo" panose="020B0609030804020204" pitchFamily="49" charset="0"/>
+                    <a:ea typeface="Menlo" panose="020B0609030804020204" pitchFamily="49" charset="0"/>
+                    <a:cs typeface="Menlo" panose="020B0609030804020204" pitchFamily="49" charset="0"/>
+                  </a:rPr>
+                  <a:t>Species 2</a:t>
+                </a:r>
+              </a:p>
+            </p:txBody>
+          </p:sp>
+          <p:sp>
+            <p:nvSpPr>
+              <p:cNvPr id="20" name="TextBox 19">
+                <a:extLst>
+                  <a:ext uri="{FF2B5EF4-FFF2-40B4-BE49-F238E27FC236}">
+                    <a16:creationId xmlns:a16="http://schemas.microsoft.com/office/drawing/2014/main" id="{0679B7B1-9346-7B4B-B19E-AEEF17AEABB1}"/>
+                  </a:ext>
+                </a:extLst>
+              </p:cNvPr>
+              <p:cNvSpPr txBox="1"/>
+              <p:nvPr/>
+            </p:nvSpPr>
+            <p:spPr>
+              <a:xfrm>
+                <a:off x="867091" y="3305505"/>
+                <a:ext cx="1481961" cy="369332"/>
+              </a:xfrm>
+              <a:prstGeom prst="rect">
+                <a:avLst/>
+              </a:prstGeom>
+              <a:noFill/>
+            </p:spPr>
+            <p:txBody>
+              <a:bodyPr wrap="square" rtlCol="0">
+                <a:spAutoFit/>
+              </a:bodyPr>
+              <a:lstStyle/>
+              <a:p>
+                <a:r>
+                  <a:rPr lang="en-US" dirty="0">
+                    <a:latin typeface="Menlo" panose="020B0609030804020204" pitchFamily="49" charset="0"/>
+                    <a:ea typeface="Menlo" panose="020B0609030804020204" pitchFamily="49" charset="0"/>
+                    <a:cs typeface="Menlo" panose="020B0609030804020204" pitchFamily="49" charset="0"/>
+                  </a:rPr>
+                  <a:t>Species 3</a:t>
+                </a:r>
+              </a:p>
+            </p:txBody>
+          </p:sp>
+          <p:sp>
+            <p:nvSpPr>
+              <p:cNvPr id="21" name="TextBox 20">
+                <a:extLst>
+                  <a:ext uri="{FF2B5EF4-FFF2-40B4-BE49-F238E27FC236}">
+                    <a16:creationId xmlns:a16="http://schemas.microsoft.com/office/drawing/2014/main" id="{14781D4A-5095-074C-81A5-250F1FDE1826}"/>
+                  </a:ext>
+                </a:extLst>
+              </p:cNvPr>
+              <p:cNvSpPr txBox="1"/>
+              <p:nvPr/>
+            </p:nvSpPr>
+            <p:spPr>
+              <a:xfrm>
+                <a:off x="867091" y="3522433"/>
+                <a:ext cx="1481961" cy="369332"/>
+              </a:xfrm>
+              <a:prstGeom prst="rect">
+                <a:avLst/>
+              </a:prstGeom>
+              <a:noFill/>
+            </p:spPr>
+            <p:txBody>
+              <a:bodyPr wrap="square" rtlCol="0">
+                <a:spAutoFit/>
+              </a:bodyPr>
+              <a:lstStyle/>
+              <a:p>
+                <a:r>
+                  <a:rPr lang="en-US" dirty="0">
+                    <a:latin typeface="Menlo" panose="020B0609030804020204" pitchFamily="49" charset="0"/>
+                    <a:ea typeface="Menlo" panose="020B0609030804020204" pitchFamily="49" charset="0"/>
+                    <a:cs typeface="Menlo" panose="020B0609030804020204" pitchFamily="49" charset="0"/>
+                  </a:rPr>
+                  <a:t>Species 4</a:t>
+                </a:r>
+              </a:p>
+            </p:txBody>
+          </p:sp>
+          <p:sp>
+            <p:nvSpPr>
+              <p:cNvPr id="22" name="TextBox 21">
+                <a:extLst>
+                  <a:ext uri="{FF2B5EF4-FFF2-40B4-BE49-F238E27FC236}">
+                    <a16:creationId xmlns:a16="http://schemas.microsoft.com/office/drawing/2014/main" id="{F2646779-8EC2-8642-BE43-2EA170BEA5DB}"/>
+                  </a:ext>
+                </a:extLst>
+              </p:cNvPr>
+              <p:cNvSpPr txBox="1"/>
+              <p:nvPr/>
+            </p:nvSpPr>
+            <p:spPr>
+              <a:xfrm>
+                <a:off x="2506717" y="1342885"/>
+                <a:ext cx="2638097" cy="369332"/>
+              </a:xfrm>
+              <a:prstGeom prst="rect">
+                <a:avLst/>
+              </a:prstGeom>
+              <a:noFill/>
+            </p:spPr>
+            <p:txBody>
+              <a:bodyPr wrap="square" rtlCol="0">
+                <a:spAutoFit/>
+              </a:bodyPr>
+              <a:lstStyle/>
+              <a:p>
+                <a:r>
+                  <a:rPr lang="en-US" dirty="0">
+                    <a:latin typeface="Menlo" panose="020B0609030804020204" pitchFamily="49" charset="0"/>
+                    <a:ea typeface="Menlo" panose="020B0609030804020204" pitchFamily="49" charset="0"/>
+                    <a:cs typeface="Menlo" panose="020B0609030804020204" pitchFamily="49" charset="0"/>
+                  </a:rPr>
+                  <a:t>ACTG</a:t>
+                </a:r>
+                <a:r>
+                  <a:rPr lang="en-US" dirty="0">
+                    <a:solidFill>
+                      <a:srgbClr val="FF0000"/>
+                    </a:solidFill>
+                    <a:latin typeface="Menlo" panose="020B0609030804020204" pitchFamily="49" charset="0"/>
+                    <a:ea typeface="Menlo" panose="020B0609030804020204" pitchFamily="49" charset="0"/>
+                    <a:cs typeface="Menlo" panose="020B0609030804020204" pitchFamily="49" charset="0"/>
+                  </a:rPr>
+                  <a:t>C</a:t>
+                </a:r>
+                <a:r>
+                  <a:rPr lang="en-US" dirty="0">
+                    <a:latin typeface="Menlo" panose="020B0609030804020204" pitchFamily="49" charset="0"/>
+                    <a:ea typeface="Menlo" panose="020B0609030804020204" pitchFamily="49" charset="0"/>
+                    <a:cs typeface="Menlo" panose="020B0609030804020204" pitchFamily="49" charset="0"/>
+                  </a:rPr>
+                  <a:t>AACCTTGGAA</a:t>
+                </a:r>
+              </a:p>
+            </p:txBody>
+          </p:sp>
+          <p:sp>
+            <p:nvSpPr>
+              <p:cNvPr id="23" name="TextBox 22">
+                <a:extLst>
+                  <a:ext uri="{FF2B5EF4-FFF2-40B4-BE49-F238E27FC236}">
+                    <a16:creationId xmlns:a16="http://schemas.microsoft.com/office/drawing/2014/main" id="{12C21630-8DB5-F841-B283-7584B6B2FE8B}"/>
+                  </a:ext>
+                </a:extLst>
+              </p:cNvPr>
+              <p:cNvSpPr txBox="1"/>
+              <p:nvPr/>
+            </p:nvSpPr>
+            <p:spPr>
+              <a:xfrm>
+                <a:off x="3179378" y="1580837"/>
+                <a:ext cx="2638097" cy="369332"/>
+              </a:xfrm>
+              <a:prstGeom prst="rect">
+                <a:avLst/>
+              </a:prstGeom>
+              <a:noFill/>
+            </p:spPr>
+            <p:txBody>
+              <a:bodyPr wrap="square" rtlCol="0">
+                <a:spAutoFit/>
+              </a:bodyPr>
+              <a:lstStyle/>
+              <a:p>
+                <a:r>
+                  <a:rPr lang="en-US" dirty="0">
+                    <a:latin typeface="Menlo" panose="020B0609030804020204" pitchFamily="49" charset="0"/>
+                    <a:ea typeface="Menlo" panose="020B0609030804020204" pitchFamily="49" charset="0"/>
+                    <a:cs typeface="Menlo" panose="020B0609030804020204" pitchFamily="49" charset="0"/>
+                  </a:rPr>
+                  <a:t>ACTGAAACCTTGGAA</a:t>
+                </a:r>
+              </a:p>
+            </p:txBody>
+          </p:sp>
+          <p:sp>
+            <p:nvSpPr>
+              <p:cNvPr id="24" name="TextBox 23">
+                <a:extLst>
+                  <a:ext uri="{FF2B5EF4-FFF2-40B4-BE49-F238E27FC236}">
+                    <a16:creationId xmlns:a16="http://schemas.microsoft.com/office/drawing/2014/main" id="{3D2A3732-0C74-744F-8DD6-21E1DB8DEB75}"/>
+                  </a:ext>
+                </a:extLst>
+              </p:cNvPr>
+              <p:cNvSpPr txBox="1"/>
+              <p:nvPr/>
+            </p:nvSpPr>
+            <p:spPr>
+              <a:xfrm>
+                <a:off x="2349057" y="1818781"/>
+                <a:ext cx="2638097" cy="369332"/>
+              </a:xfrm>
+              <a:prstGeom prst="rect">
+                <a:avLst/>
+              </a:prstGeom>
+              <a:noFill/>
+            </p:spPr>
+            <p:txBody>
+              <a:bodyPr wrap="square" rtlCol="0">
+                <a:spAutoFit/>
+              </a:bodyPr>
+              <a:lstStyle/>
+              <a:p>
+                <a:r>
+                  <a:rPr lang="en-US" dirty="0">
+                    <a:latin typeface="Menlo" panose="020B0609030804020204" pitchFamily="49" charset="0"/>
+                    <a:ea typeface="Menlo" panose="020B0609030804020204" pitchFamily="49" charset="0"/>
+                    <a:cs typeface="Menlo" panose="020B0609030804020204" pitchFamily="49" charset="0"/>
+                  </a:rPr>
+                  <a:t>ACTG</a:t>
+                </a:r>
+                <a:r>
+                  <a:rPr lang="en-US" dirty="0">
+                    <a:solidFill>
+                      <a:srgbClr val="FF0000"/>
+                    </a:solidFill>
+                    <a:latin typeface="Menlo" panose="020B0609030804020204" pitchFamily="49" charset="0"/>
+                    <a:ea typeface="Menlo" panose="020B0609030804020204" pitchFamily="49" charset="0"/>
+                    <a:cs typeface="Menlo" panose="020B0609030804020204" pitchFamily="49" charset="0"/>
+                  </a:rPr>
+                  <a:t>T</a:t>
+                </a:r>
+                <a:r>
+                  <a:rPr lang="en-US" dirty="0">
+                    <a:latin typeface="Menlo" panose="020B0609030804020204" pitchFamily="49" charset="0"/>
+                    <a:ea typeface="Menlo" panose="020B0609030804020204" pitchFamily="49" charset="0"/>
+                    <a:cs typeface="Menlo" panose="020B0609030804020204" pitchFamily="49" charset="0"/>
+                  </a:rPr>
+                  <a:t>AACCTTGGAA</a:t>
+                </a:r>
+              </a:p>
+            </p:txBody>
+          </p:sp>
+          <p:sp>
+            <p:nvSpPr>
+              <p:cNvPr id="25" name="TextBox 24">
+                <a:extLst>
+                  <a:ext uri="{FF2B5EF4-FFF2-40B4-BE49-F238E27FC236}">
+                    <a16:creationId xmlns:a16="http://schemas.microsoft.com/office/drawing/2014/main" id="{CD93D66F-21CC-3946-B73A-87094A762523}"/>
+                  </a:ext>
+                </a:extLst>
+              </p:cNvPr>
+              <p:cNvSpPr txBox="1"/>
+              <p:nvPr/>
+            </p:nvSpPr>
+            <p:spPr>
+              <a:xfrm>
+                <a:off x="3179377" y="2045487"/>
+                <a:ext cx="2638097" cy="369332"/>
+              </a:xfrm>
+              <a:prstGeom prst="rect">
+                <a:avLst/>
+              </a:prstGeom>
+              <a:noFill/>
+            </p:spPr>
+            <p:txBody>
+              <a:bodyPr wrap="square" rtlCol="0">
+                <a:spAutoFit/>
+              </a:bodyPr>
+              <a:lstStyle/>
+              <a:p>
+                <a:r>
+                  <a:rPr lang="en-US" dirty="0">
+                    <a:latin typeface="Menlo" panose="020B0609030804020204" pitchFamily="49" charset="0"/>
+                    <a:ea typeface="Menlo" panose="020B0609030804020204" pitchFamily="49" charset="0"/>
+                    <a:cs typeface="Menlo" panose="020B0609030804020204" pitchFamily="49" charset="0"/>
+                  </a:rPr>
+                  <a:t>ACTGAAACC</a:t>
+                </a:r>
+                <a:r>
+                  <a:rPr lang="en-US" dirty="0">
+                    <a:solidFill>
+                      <a:srgbClr val="FF0000"/>
+                    </a:solidFill>
+                    <a:latin typeface="Menlo" panose="020B0609030804020204" pitchFamily="49" charset="0"/>
+                    <a:ea typeface="Menlo" panose="020B0609030804020204" pitchFamily="49" charset="0"/>
+                    <a:cs typeface="Menlo" panose="020B0609030804020204" pitchFamily="49" charset="0"/>
+                  </a:rPr>
+                  <a:t>A</a:t>
+                </a:r>
+                <a:r>
+                  <a:rPr lang="en-US" dirty="0">
+                    <a:latin typeface="Menlo" panose="020B0609030804020204" pitchFamily="49" charset="0"/>
+                    <a:ea typeface="Menlo" panose="020B0609030804020204" pitchFamily="49" charset="0"/>
+                    <a:cs typeface="Menlo" panose="020B0609030804020204" pitchFamily="49" charset="0"/>
+                  </a:rPr>
+                  <a:t>TGGAA</a:t>
+                </a:r>
+              </a:p>
+            </p:txBody>
+          </p:sp>
+          <p:sp>
+            <p:nvSpPr>
+              <p:cNvPr id="26" name="TextBox 25">
+                <a:extLst>
+                  <a:ext uri="{FF2B5EF4-FFF2-40B4-BE49-F238E27FC236}">
+                    <a16:creationId xmlns:a16="http://schemas.microsoft.com/office/drawing/2014/main" id="{381BF0CD-BF33-DA4E-870D-BA6D96E7E3CF}"/>
+                  </a:ext>
+                </a:extLst>
+              </p:cNvPr>
+              <p:cNvSpPr txBox="1"/>
+              <p:nvPr/>
+            </p:nvSpPr>
+            <p:spPr>
+              <a:xfrm>
+                <a:off x="867098" y="1385899"/>
+                <a:ext cx="1481961" cy="369332"/>
+              </a:xfrm>
+              <a:prstGeom prst="rect">
+                <a:avLst/>
+              </a:prstGeom>
+              <a:noFill/>
+            </p:spPr>
+            <p:txBody>
+              <a:bodyPr wrap="square" rtlCol="0">
+                <a:spAutoFit/>
+              </a:bodyPr>
+              <a:lstStyle/>
+              <a:p>
+                <a:r>
+                  <a:rPr lang="en-US" dirty="0">
+                    <a:latin typeface="Menlo" panose="020B0609030804020204" pitchFamily="49" charset="0"/>
+                    <a:ea typeface="Menlo" panose="020B0609030804020204" pitchFamily="49" charset="0"/>
+                    <a:cs typeface="Menlo" panose="020B0609030804020204" pitchFamily="49" charset="0"/>
+                  </a:rPr>
+                  <a:t>Species 1</a:t>
+                </a:r>
+              </a:p>
+            </p:txBody>
+          </p:sp>
+          <p:sp>
+            <p:nvSpPr>
+              <p:cNvPr id="27" name="TextBox 26">
+                <a:extLst>
+                  <a:ext uri="{FF2B5EF4-FFF2-40B4-BE49-F238E27FC236}">
+                    <a16:creationId xmlns:a16="http://schemas.microsoft.com/office/drawing/2014/main" id="{8CD2F0B9-C0D1-2443-A0C4-D694CF37CCAE}"/>
+                  </a:ext>
+                </a:extLst>
+              </p:cNvPr>
+              <p:cNvSpPr txBox="1"/>
+              <p:nvPr/>
+            </p:nvSpPr>
+            <p:spPr>
+              <a:xfrm>
+                <a:off x="867097" y="1623851"/>
+                <a:ext cx="1481961" cy="369332"/>
+              </a:xfrm>
+              <a:prstGeom prst="rect">
+                <a:avLst/>
+              </a:prstGeom>
+              <a:noFill/>
+            </p:spPr>
+            <p:txBody>
+              <a:bodyPr wrap="square" rtlCol="0">
+                <a:spAutoFit/>
+              </a:bodyPr>
+              <a:lstStyle/>
+              <a:p>
+                <a:r>
+                  <a:rPr lang="en-US" dirty="0">
+                    <a:latin typeface="Menlo" panose="020B0609030804020204" pitchFamily="49" charset="0"/>
+                    <a:ea typeface="Menlo" panose="020B0609030804020204" pitchFamily="49" charset="0"/>
+                    <a:cs typeface="Menlo" panose="020B0609030804020204" pitchFamily="49" charset="0"/>
+                  </a:rPr>
+                  <a:t>Species 2</a:t>
+                </a:r>
+              </a:p>
+            </p:txBody>
+          </p:sp>
+          <p:sp>
+            <p:nvSpPr>
+              <p:cNvPr id="28" name="TextBox 27">
+                <a:extLst>
+                  <a:ext uri="{FF2B5EF4-FFF2-40B4-BE49-F238E27FC236}">
+                    <a16:creationId xmlns:a16="http://schemas.microsoft.com/office/drawing/2014/main" id="{E7908D94-42C9-884B-ADA5-17768CE0D0EB}"/>
+                  </a:ext>
+                </a:extLst>
+              </p:cNvPr>
+              <p:cNvSpPr txBox="1"/>
+              <p:nvPr/>
+            </p:nvSpPr>
+            <p:spPr>
+              <a:xfrm>
+                <a:off x="867096" y="1839311"/>
+                <a:ext cx="1481961" cy="369332"/>
+              </a:xfrm>
+              <a:prstGeom prst="rect">
+                <a:avLst/>
+              </a:prstGeom>
+              <a:noFill/>
+            </p:spPr>
+            <p:txBody>
+              <a:bodyPr wrap="square" rtlCol="0">
+                <a:spAutoFit/>
+              </a:bodyPr>
+              <a:lstStyle/>
+              <a:p>
+                <a:r>
+                  <a:rPr lang="en-US" dirty="0">
+                    <a:latin typeface="Menlo" panose="020B0609030804020204" pitchFamily="49" charset="0"/>
+                    <a:ea typeface="Menlo" panose="020B0609030804020204" pitchFamily="49" charset="0"/>
+                    <a:cs typeface="Menlo" panose="020B0609030804020204" pitchFamily="49" charset="0"/>
+                  </a:rPr>
+                  <a:t>Species 3</a:t>
+                </a:r>
+              </a:p>
+            </p:txBody>
+          </p:sp>
+          <p:sp>
+            <p:nvSpPr>
+              <p:cNvPr id="29" name="TextBox 28">
+                <a:extLst>
+                  <a:ext uri="{FF2B5EF4-FFF2-40B4-BE49-F238E27FC236}">
+                    <a16:creationId xmlns:a16="http://schemas.microsoft.com/office/drawing/2014/main" id="{946410EA-99C4-004B-A721-30BBF54542C5}"/>
+                  </a:ext>
+                </a:extLst>
+              </p:cNvPr>
+              <p:cNvSpPr txBox="1"/>
+              <p:nvPr/>
+            </p:nvSpPr>
+            <p:spPr>
+              <a:xfrm>
+                <a:off x="867096" y="2056239"/>
+                <a:ext cx="1481961" cy="369332"/>
+              </a:xfrm>
+              <a:prstGeom prst="rect">
+                <a:avLst/>
+              </a:prstGeom>
+              <a:noFill/>
+            </p:spPr>
+            <p:txBody>
+              <a:bodyPr wrap="square" rtlCol="0">
+                <a:spAutoFit/>
+              </a:bodyPr>
+              <a:lstStyle/>
+              <a:p>
+                <a:r>
+                  <a:rPr lang="en-US" dirty="0">
+                    <a:latin typeface="Menlo" panose="020B0609030804020204" pitchFamily="49" charset="0"/>
+                    <a:ea typeface="Menlo" panose="020B0609030804020204" pitchFamily="49" charset="0"/>
+                    <a:cs typeface="Menlo" panose="020B0609030804020204" pitchFamily="49" charset="0"/>
+                  </a:rPr>
+                  <a:t>Species 4</a:t>
+                </a:r>
+              </a:p>
+            </p:txBody>
+          </p:sp>
+          <p:sp>
+            <p:nvSpPr>
+              <p:cNvPr id="30" name="TextBox 29">
+                <a:extLst>
+                  <a:ext uri="{FF2B5EF4-FFF2-40B4-BE49-F238E27FC236}">
+                    <a16:creationId xmlns:a16="http://schemas.microsoft.com/office/drawing/2014/main" id="{C70A92DA-A8B6-144B-B26B-F0E4B038EB56}"/>
+                  </a:ext>
+                </a:extLst>
+              </p:cNvPr>
+              <p:cNvSpPr txBox="1"/>
+              <p:nvPr/>
+            </p:nvSpPr>
+            <p:spPr>
+              <a:xfrm>
+                <a:off x="861836" y="955499"/>
+                <a:ext cx="2279791" cy="369332"/>
+              </a:xfrm>
+              <a:prstGeom prst="rect">
+                <a:avLst/>
+              </a:prstGeom>
+              <a:noFill/>
+            </p:spPr>
+            <p:txBody>
+              <a:bodyPr wrap="none" rtlCol="0">
+                <a:spAutoFit/>
+              </a:bodyPr>
+              <a:lstStyle/>
+              <a:p>
+                <a:r>
+                  <a:rPr lang="en-US" b="1" dirty="0">
+                    <a:solidFill>
+                      <a:srgbClr val="FF0000"/>
+                    </a:solidFill>
+                  </a:rPr>
+                  <a:t>Mis</a:t>
+                </a:r>
+                <a:r>
+                  <a:rPr lang="en-US" b="1" dirty="0"/>
+                  <a:t>aligned sequences</a:t>
+                </a:r>
+              </a:p>
+            </p:txBody>
+          </p:sp>
+          <p:sp>
+            <p:nvSpPr>
+              <p:cNvPr id="31" name="TextBox 30">
+                <a:extLst>
+                  <a:ext uri="{FF2B5EF4-FFF2-40B4-BE49-F238E27FC236}">
+                    <a16:creationId xmlns:a16="http://schemas.microsoft.com/office/drawing/2014/main" id="{31CFDD50-F355-514C-9843-0362BC38F551}"/>
+                  </a:ext>
+                </a:extLst>
+              </p:cNvPr>
+              <p:cNvSpPr txBox="1"/>
+              <p:nvPr/>
+            </p:nvSpPr>
+            <p:spPr>
+              <a:xfrm>
+                <a:off x="861836" y="2530733"/>
+                <a:ext cx="2430281" cy="369332"/>
+              </a:xfrm>
+              <a:prstGeom prst="rect">
+                <a:avLst/>
+              </a:prstGeom>
+              <a:noFill/>
+            </p:spPr>
+            <p:txBody>
+              <a:bodyPr wrap="none" rtlCol="0">
+                <a:spAutoFit/>
+              </a:bodyPr>
+              <a:lstStyle/>
+              <a:p>
+                <a:r>
+                  <a:rPr lang="en-US" b="1" dirty="0">
+                    <a:solidFill>
+                      <a:srgbClr val="0070C0"/>
+                    </a:solidFill>
+                  </a:rPr>
+                  <a:t>Well</a:t>
+                </a:r>
+                <a:r>
+                  <a:rPr lang="en-US" b="1" dirty="0"/>
+                  <a:t>-aligned sequences</a:t>
+                </a:r>
+              </a:p>
+            </p:txBody>
+          </p:sp>
+        </p:grpSp>
+      </p:grpSp>
+    </p:spTree>
+    <p:extLst>
+      <p:ext uri="{BB962C8B-B14F-4D97-AF65-F5344CB8AC3E}">
+        <p14:creationId xmlns:p14="http://schemas.microsoft.com/office/powerpoint/2010/main" val="1680506179"/>
+      </p:ext>
+    </p:extLst>
+  </p:cSld>
+  <p:clrMapOvr>
+    <a:masterClrMapping/>
+  </p:clrMapOvr>
+</p:sld>
+</file>
+
+<file path=ppt/slides/slide6.xml><?xml version="1.0" encoding="utf-8"?>
+<p:sld xmlns:a="http://schemas.openxmlformats.org/drawingml/2006/main" xmlns:r="http://schemas.openxmlformats.org/officeDocument/2006/relationships" xmlns:p="http://schemas.openxmlformats.org/presentationml/2006/main">
+  <p:cSld>
+    <p:spTree>
+      <p:nvGrpSpPr>
+        <p:cNvPr id="1" name=""/>
+        <p:cNvGrpSpPr/>
+        <p:nvPr/>
+      </p:nvGrpSpPr>
+      <p:grpSpPr>
+        <a:xfrm>
+          <a:off x="0" y="0"/>
+          <a:ext cx="0" cy="0"/>
+          <a:chOff x="0" y="0"/>
+          <a:chExt cx="0" cy="0"/>
+        </a:xfrm>
+      </p:grpSpPr>
+      <p:grpSp>
+        <p:nvGrpSpPr>
+          <p:cNvPr id="16" name="Group 15">
+            <a:extLst>
+              <a:ext uri="{FF2B5EF4-FFF2-40B4-BE49-F238E27FC236}">
+                <a16:creationId xmlns:a16="http://schemas.microsoft.com/office/drawing/2014/main" id="{7D910F26-BA2A-354C-949C-60D64BE682EF}"/>
+              </a:ext>
+            </a:extLst>
+          </p:cNvPr>
+          <p:cNvGrpSpPr/>
+          <p:nvPr/>
+        </p:nvGrpSpPr>
+        <p:grpSpPr>
+          <a:xfrm>
+            <a:off x="4556235" y="865638"/>
+            <a:ext cx="2709039" cy="2472081"/>
+            <a:chOff x="4556235" y="865638"/>
+            <a:chExt cx="2709039" cy="2472081"/>
+          </a:xfrm>
+        </p:grpSpPr>
+        <p:sp>
+          <p:nvSpPr>
+            <p:cNvPr id="4" name="TextBox 3">
+              <a:extLst>
+                <a:ext uri="{FF2B5EF4-FFF2-40B4-BE49-F238E27FC236}">
+                  <a16:creationId xmlns:a16="http://schemas.microsoft.com/office/drawing/2014/main" id="{EA3C9068-71F6-1A4A-B049-1509D11EFC38}"/>
+                </a:ext>
+              </a:extLst>
+            </p:cNvPr>
+            <p:cNvSpPr txBox="1"/>
+            <p:nvPr/>
+          </p:nvSpPr>
+          <p:spPr>
+            <a:xfrm>
+              <a:off x="4598271" y="865638"/>
+              <a:ext cx="2638097" cy="369332"/>
+            </a:xfrm>
+            <a:prstGeom prst="rect">
+              <a:avLst/>
+            </a:prstGeom>
+            <a:solidFill>
+              <a:schemeClr val="bg1">
+                <a:lumMod val="85000"/>
+              </a:schemeClr>
+            </a:solidFill>
+          </p:spPr>
+          <p:txBody>
+            <a:bodyPr wrap="square" rtlCol="0">
+              <a:spAutoFit/>
+            </a:bodyPr>
+            <a:lstStyle/>
+            <a:p>
+              <a:pPr algn="ctr"/>
+              <a:r>
+                <a:rPr lang="en-US" dirty="0">
+                  <a:latin typeface="Menlo" panose="020B0609030804020204" pitchFamily="49" charset="0"/>
+                  <a:ea typeface="Menlo" panose="020B0609030804020204" pitchFamily="49" charset="0"/>
+                  <a:cs typeface="Menlo" panose="020B0609030804020204" pitchFamily="49" charset="0"/>
+                </a:rPr>
+                <a:t>TREE vs REED</a:t>
+              </a:r>
+            </a:p>
+          </p:txBody>
+        </p:sp>
+        <p:sp>
+          <p:nvSpPr>
+            <p:cNvPr id="5" name="TextBox 4">
+              <a:extLst>
+                <a:ext uri="{FF2B5EF4-FFF2-40B4-BE49-F238E27FC236}">
+                  <a16:creationId xmlns:a16="http://schemas.microsoft.com/office/drawing/2014/main" id="{62D09EAF-A900-074B-8402-83F0BEFB38C7}"/>
+                </a:ext>
+              </a:extLst>
+            </p:cNvPr>
+            <p:cNvSpPr txBox="1"/>
+            <p:nvPr/>
+          </p:nvSpPr>
+          <p:spPr>
+            <a:xfrm>
+              <a:off x="4556235" y="1501514"/>
+              <a:ext cx="1108842" cy="646331"/>
+            </a:xfrm>
+            <a:prstGeom prst="rect">
+              <a:avLst/>
+            </a:prstGeom>
+            <a:solidFill>
+              <a:schemeClr val="bg1">
+                <a:lumMod val="85000"/>
+              </a:schemeClr>
+            </a:solidFill>
+          </p:spPr>
+          <p:txBody>
+            <a:bodyPr wrap="square" rtlCol="0">
+              <a:spAutoFit/>
+            </a:bodyPr>
+            <a:lstStyle/>
+            <a:p>
+              <a:pPr algn="ctr"/>
+              <a:r>
+                <a:rPr lang="en-US" dirty="0">
+                  <a:solidFill>
+                    <a:srgbClr val="FF0000"/>
+                  </a:solidFill>
+                  <a:latin typeface="Menlo" panose="020B0609030804020204" pitchFamily="49" charset="0"/>
+                  <a:ea typeface="Menlo" panose="020B0609030804020204" pitchFamily="49" charset="0"/>
+                  <a:cs typeface="Menlo" panose="020B0609030804020204" pitchFamily="49" charset="0"/>
+                </a:rPr>
+                <a:t>TR</a:t>
+              </a:r>
+              <a:r>
+                <a:rPr lang="en-US" b="1" dirty="0">
+                  <a:latin typeface="Menlo" panose="020B0609030804020204" pitchFamily="49" charset="0"/>
+                  <a:ea typeface="Menlo" panose="020B0609030804020204" pitchFamily="49" charset="0"/>
+                  <a:cs typeface="Menlo" panose="020B0609030804020204" pitchFamily="49" charset="0"/>
+                </a:rPr>
+                <a:t>E</a:t>
+              </a:r>
+              <a:r>
+                <a:rPr lang="en-US" dirty="0">
+                  <a:solidFill>
+                    <a:srgbClr val="FF0000"/>
+                  </a:solidFill>
+                  <a:latin typeface="Menlo" panose="020B0609030804020204" pitchFamily="49" charset="0"/>
+                  <a:ea typeface="Menlo" panose="020B0609030804020204" pitchFamily="49" charset="0"/>
+                  <a:cs typeface="Menlo" panose="020B0609030804020204" pitchFamily="49" charset="0"/>
+                </a:rPr>
+                <a:t>E</a:t>
+              </a:r>
+            </a:p>
+            <a:p>
+              <a:pPr algn="ctr"/>
+              <a:r>
+                <a:rPr lang="en-US" dirty="0">
+                  <a:solidFill>
+                    <a:srgbClr val="FF0000"/>
+                  </a:solidFill>
+                  <a:latin typeface="Menlo" panose="020B0609030804020204" pitchFamily="49" charset="0"/>
+                  <a:ea typeface="Menlo" panose="020B0609030804020204" pitchFamily="49" charset="0"/>
+                  <a:cs typeface="Menlo" panose="020B0609030804020204" pitchFamily="49" charset="0"/>
+                </a:rPr>
+                <a:t>RE</a:t>
+              </a:r>
+              <a:r>
+                <a:rPr lang="en-US" b="1" dirty="0">
+                  <a:latin typeface="Menlo" panose="020B0609030804020204" pitchFamily="49" charset="0"/>
+                  <a:ea typeface="Menlo" panose="020B0609030804020204" pitchFamily="49" charset="0"/>
+                  <a:cs typeface="Menlo" panose="020B0609030804020204" pitchFamily="49" charset="0"/>
+                </a:rPr>
+                <a:t>E</a:t>
+              </a:r>
+              <a:r>
+                <a:rPr lang="en-US" dirty="0">
+                  <a:solidFill>
+                    <a:srgbClr val="FF0000"/>
+                  </a:solidFill>
+                  <a:latin typeface="Menlo" panose="020B0609030804020204" pitchFamily="49" charset="0"/>
+                  <a:ea typeface="Menlo" panose="020B0609030804020204" pitchFamily="49" charset="0"/>
+                  <a:cs typeface="Menlo" panose="020B0609030804020204" pitchFamily="49" charset="0"/>
+                </a:rPr>
+                <a:t>D</a:t>
+              </a:r>
+            </a:p>
+          </p:txBody>
+        </p:sp>
+        <p:sp>
+          <p:nvSpPr>
+            <p:cNvPr id="6" name="TextBox 5">
+              <a:extLst>
+                <a:ext uri="{FF2B5EF4-FFF2-40B4-BE49-F238E27FC236}">
+                  <a16:creationId xmlns:a16="http://schemas.microsoft.com/office/drawing/2014/main" id="{3F2A8E74-7B97-1847-9B71-8750E111D000}"/>
+                </a:ext>
+              </a:extLst>
+            </p:cNvPr>
+            <p:cNvSpPr txBox="1"/>
+            <p:nvPr/>
+          </p:nvSpPr>
+          <p:spPr>
+            <a:xfrm>
+              <a:off x="6156432" y="1501514"/>
+              <a:ext cx="1108842" cy="646331"/>
+            </a:xfrm>
+            <a:prstGeom prst="rect">
+              <a:avLst/>
+            </a:prstGeom>
+            <a:solidFill>
+              <a:schemeClr val="bg1">
+                <a:lumMod val="85000"/>
+              </a:schemeClr>
+            </a:solidFill>
+          </p:spPr>
+          <p:txBody>
+            <a:bodyPr wrap="square" rtlCol="0">
+              <a:spAutoFit/>
+            </a:bodyPr>
+            <a:lstStyle/>
+            <a:p>
+              <a:pPr algn="ctr"/>
+              <a:r>
+                <a:rPr lang="en-US" dirty="0">
+                  <a:solidFill>
+                    <a:srgbClr val="7030A0"/>
+                  </a:solidFill>
+                  <a:latin typeface="Menlo" panose="020B0609030804020204" pitchFamily="49" charset="0"/>
+                  <a:ea typeface="Menlo" panose="020B0609030804020204" pitchFamily="49" charset="0"/>
+                  <a:cs typeface="Menlo" panose="020B0609030804020204" pitchFamily="49" charset="0"/>
+                </a:rPr>
+                <a:t>T</a:t>
+              </a:r>
+              <a:r>
+                <a:rPr lang="en-US" b="1" dirty="0">
+                  <a:latin typeface="Menlo" panose="020B0609030804020204" pitchFamily="49" charset="0"/>
+                  <a:ea typeface="Menlo" panose="020B0609030804020204" pitchFamily="49" charset="0"/>
+                  <a:cs typeface="Menlo" panose="020B0609030804020204" pitchFamily="49" charset="0"/>
+                </a:rPr>
+                <a:t>REE</a:t>
+              </a:r>
+              <a:r>
+                <a:rPr lang="en-US" dirty="0">
+                  <a:solidFill>
+                    <a:srgbClr val="7030A0"/>
+                  </a:solidFill>
+                  <a:latin typeface="Menlo" panose="020B0609030804020204" pitchFamily="49" charset="0"/>
+                  <a:ea typeface="Menlo" panose="020B0609030804020204" pitchFamily="49" charset="0"/>
+                  <a:cs typeface="Menlo" panose="020B0609030804020204" pitchFamily="49" charset="0"/>
+                </a:rPr>
+                <a:t>-</a:t>
+              </a:r>
+            </a:p>
+            <a:p>
+              <a:pPr algn="ctr"/>
+              <a:r>
+                <a:rPr lang="en-US" dirty="0">
+                  <a:solidFill>
+                    <a:srgbClr val="7030A0"/>
+                  </a:solidFill>
+                  <a:latin typeface="Menlo" panose="020B0609030804020204" pitchFamily="49" charset="0"/>
+                  <a:ea typeface="Menlo" panose="020B0609030804020204" pitchFamily="49" charset="0"/>
+                  <a:cs typeface="Menlo" panose="020B0609030804020204" pitchFamily="49" charset="0"/>
+                </a:rPr>
+                <a:t>-</a:t>
+              </a:r>
+              <a:r>
+                <a:rPr lang="en-US" b="1" dirty="0">
+                  <a:latin typeface="Menlo" panose="020B0609030804020204" pitchFamily="49" charset="0"/>
+                  <a:ea typeface="Menlo" panose="020B0609030804020204" pitchFamily="49" charset="0"/>
+                  <a:cs typeface="Menlo" panose="020B0609030804020204" pitchFamily="49" charset="0"/>
+                </a:rPr>
+                <a:t>REE</a:t>
+              </a:r>
+              <a:r>
+                <a:rPr lang="en-US" dirty="0">
+                  <a:solidFill>
+                    <a:srgbClr val="7030A0"/>
+                  </a:solidFill>
+                  <a:latin typeface="Menlo" panose="020B0609030804020204" pitchFamily="49" charset="0"/>
+                  <a:ea typeface="Menlo" panose="020B0609030804020204" pitchFamily="49" charset="0"/>
+                  <a:cs typeface="Menlo" panose="020B0609030804020204" pitchFamily="49" charset="0"/>
+                </a:rPr>
+                <a:t>D</a:t>
+              </a:r>
+            </a:p>
+          </p:txBody>
+        </p:sp>
+        <mc:AlternateContent xmlns:mc="http://schemas.openxmlformats.org/markup-compatibility/2006">
+          <mc:Choice xmlns:a14="http://schemas.microsoft.com/office/drawing/2010/main" Requires="a14">
+            <p:sp>
+              <p:nvSpPr>
+                <p:cNvPr id="7" name="TextBox 6">
+                  <a:extLst>
+                    <a:ext uri="{FF2B5EF4-FFF2-40B4-BE49-F238E27FC236}">
+                      <a16:creationId xmlns:a16="http://schemas.microsoft.com/office/drawing/2014/main" id="{B1D2052C-7EB1-3445-A42B-795D016A5BED}"/>
+                    </a:ext>
+                  </a:extLst>
+                </p:cNvPr>
+                <p:cNvSpPr txBox="1"/>
+                <p:nvPr/>
+              </p:nvSpPr>
+              <p:spPr>
+                <a:xfrm>
+                  <a:off x="4617155" y="2414389"/>
+                  <a:ext cx="2638097" cy="923330"/>
+                </a:xfrm>
+                <a:prstGeom prst="rect">
+                  <a:avLst/>
+                </a:prstGeom>
+                <a:solidFill>
+                  <a:schemeClr val="bg1">
+                    <a:lumMod val="85000"/>
+                  </a:schemeClr>
+                </a:solidFill>
+              </p:spPr>
+              <p:txBody>
+                <a:bodyPr wrap="square" rtlCol="0">
+                  <a:spAutoFit/>
+                </a:bodyPr>
+                <a:lstStyle/>
+                <a:p>
+                  <a:pPr algn="r"/>
+                  <a:r>
+                    <a:rPr lang="en-US" dirty="0">
+                      <a:latin typeface="Menlo" panose="020B0609030804020204" pitchFamily="49" charset="0"/>
+                      <a:ea typeface="Menlo" panose="020B0609030804020204" pitchFamily="49" charset="0"/>
+                      <a:cs typeface="Menlo" panose="020B0609030804020204" pitchFamily="49" charset="0"/>
+                    </a:rPr>
+                    <a:t>Match = </a:t>
+                  </a:r>
+                  <a:r>
+                    <a:rPr lang="en-US" dirty="0" err="1">
+                      <a:latin typeface="Menlo" panose="020B0609030804020204" pitchFamily="49" charset="0"/>
+                      <a:ea typeface="Menlo" panose="020B0609030804020204" pitchFamily="49" charset="0"/>
+                      <a:cs typeface="Menlo" panose="020B0609030804020204" pitchFamily="49" charset="0"/>
+                    </a:rPr>
+                    <a:t>ɑ</a:t>
+                  </a:r>
+                  <a:r>
+                    <a:rPr lang="en-US" dirty="0">
+                      <a:latin typeface="Menlo" panose="020B0609030804020204" pitchFamily="49" charset="0"/>
+                      <a:ea typeface="Menlo" panose="020B0609030804020204" pitchFamily="49" charset="0"/>
+                      <a:cs typeface="Menlo" panose="020B0609030804020204" pitchFamily="49" charset="0"/>
+                    </a:rPr>
+                    <a:t> (+1)</a:t>
+                  </a:r>
+                </a:p>
+                <a:p>
+                  <a:pPr algn="r"/>
+                  <a:r>
+                    <a:rPr lang="en-US" dirty="0">
+                      <a:latin typeface="Menlo" panose="020B0609030804020204" pitchFamily="49" charset="0"/>
+                      <a:ea typeface="Menlo" panose="020B0609030804020204" pitchFamily="49" charset="0"/>
+                      <a:cs typeface="Menlo" panose="020B0609030804020204" pitchFamily="49" charset="0"/>
+                    </a:rPr>
+                    <a:t>Mismatch = </a:t>
+                  </a:r>
+                  <a14:m>
+                    <m:oMath xmlns:m="http://schemas.openxmlformats.org/officeDocument/2006/math">
+                      <m:r>
+                        <a:rPr lang="en-US" b="0" i="1" dirty="0" smtClean="0">
+                          <a:latin typeface="Cambria Math" panose="02040503050406030204" pitchFamily="18" charset="0"/>
+                          <a:ea typeface="Menlo" panose="020B0609030804020204" pitchFamily="49" charset="0"/>
+                          <a:cs typeface="Menlo" panose="020B0609030804020204" pitchFamily="49" charset="0"/>
+                        </a:rPr>
+                        <m:t>𝜇</m:t>
+                      </m:r>
+                    </m:oMath>
+                  </a14:m>
+                  <a:r>
+                    <a:rPr lang="en-US" dirty="0">
+                      <a:latin typeface="Menlo" panose="020B0609030804020204" pitchFamily="49" charset="0"/>
+                      <a:ea typeface="Menlo" panose="020B0609030804020204" pitchFamily="49" charset="0"/>
+                      <a:cs typeface="Menlo" panose="020B0609030804020204" pitchFamily="49" charset="0"/>
+                    </a:rPr>
+                    <a:t> (-3)</a:t>
+                  </a:r>
+                </a:p>
+                <a:p>
+                  <a:pPr algn="r"/>
+                  <a:r>
+                    <a:rPr lang="en-US" dirty="0">
+                      <a:latin typeface="Menlo" panose="020B0609030804020204" pitchFamily="49" charset="0"/>
+                      <a:ea typeface="Menlo" panose="020B0609030804020204" pitchFamily="49" charset="0"/>
+                      <a:cs typeface="Menlo" panose="020B0609030804020204" pitchFamily="49" charset="0"/>
+                    </a:rPr>
+                    <a:t>Gap = </a:t>
+                  </a:r>
+                  <a:r>
+                    <a:rPr lang="en-US" dirty="0" err="1">
+                      <a:latin typeface="Menlo" panose="020B0609030804020204" pitchFamily="49" charset="0"/>
+                      <a:ea typeface="Menlo" panose="020B0609030804020204" pitchFamily="49" charset="0"/>
+                      <a:cs typeface="Menlo" panose="020B0609030804020204" pitchFamily="49" charset="0"/>
+                    </a:rPr>
+                    <a:t>δ</a:t>
+                  </a:r>
+                  <a:r>
+                    <a:rPr lang="en-US" dirty="0">
+                      <a:latin typeface="Menlo" panose="020B0609030804020204" pitchFamily="49" charset="0"/>
+                      <a:ea typeface="Menlo" panose="020B0609030804020204" pitchFamily="49" charset="0"/>
+                      <a:cs typeface="Menlo" panose="020B0609030804020204" pitchFamily="49" charset="0"/>
+                    </a:rPr>
+                    <a:t> (-4) </a:t>
+                  </a:r>
+                </a:p>
+              </p:txBody>
+            </p:sp>
+          </mc:Choice>
+          <mc:Fallback>
+            <p:sp>
+              <p:nvSpPr>
+                <p:cNvPr id="7" name="TextBox 6">
+                  <a:extLst>
+                    <a:ext uri="{FF2B5EF4-FFF2-40B4-BE49-F238E27FC236}">
+                      <a16:creationId xmlns:a16="http://schemas.microsoft.com/office/drawing/2014/main" id="{B1D2052C-7EB1-3445-A42B-795D016A5BED}"/>
+                    </a:ext>
+                  </a:extLst>
+                </p:cNvPr>
+                <p:cNvSpPr txBox="1">
+                  <a:spLocks noRot="1" noChangeAspect="1" noMove="1" noResize="1" noEditPoints="1" noAdjustHandles="1" noChangeArrowheads="1" noChangeShapeType="1" noTextEdit="1"/>
+                </p:cNvSpPr>
+                <p:nvPr/>
+              </p:nvSpPr>
+              <p:spPr>
+                <a:xfrm>
+                  <a:off x="4617155" y="2414389"/>
+                  <a:ext cx="2638097" cy="923330"/>
+                </a:xfrm>
+                <a:prstGeom prst="rect">
+                  <a:avLst/>
+                </a:prstGeom>
+                <a:blipFill>
+                  <a:blip r:embed="rId2"/>
+                  <a:stretch>
+                    <a:fillRect t="-2703" r="-7177" b="-6757"/>
+                  </a:stretch>
+                </a:blipFill>
+              </p:spPr>
+              <p:txBody>
+                <a:bodyPr/>
+                <a:lstStyle/>
+                <a:p>
+                  <a:r>
+                    <a:rPr lang="en-US">
+                      <a:noFill/>
+                    </a:rPr>
+                    <a:t> </a:t>
+                  </a:r>
+                </a:p>
+              </p:txBody>
+            </p:sp>
+          </mc:Fallback>
+        </mc:AlternateContent>
+        <p:cxnSp>
+          <p:nvCxnSpPr>
+            <p:cNvPr id="10" name="Straight Arrow Connector 9">
+              <a:extLst>
+                <a:ext uri="{FF2B5EF4-FFF2-40B4-BE49-F238E27FC236}">
+                  <a16:creationId xmlns:a16="http://schemas.microsoft.com/office/drawing/2014/main" id="{65BD01B2-80A7-D74D-B78F-711EBEE85E37}"/>
+                </a:ext>
+              </a:extLst>
+            </p:cNvPr>
+            <p:cNvCxnSpPr>
+              <a:stCxn id="4" idx="2"/>
+              <a:endCxn id="5" idx="0"/>
+            </p:cNvCxnSpPr>
+            <p:nvPr/>
+          </p:nvCxnSpPr>
+          <p:spPr>
+            <a:xfrm flipH="1">
+              <a:off x="5110656" y="1234970"/>
+              <a:ext cx="806664" cy="266544"/>
+            </a:xfrm>
+            <a:prstGeom prst="straightConnector1">
+              <a:avLst/>
+            </a:prstGeom>
+            <a:ln w="38100">
+              <a:tailEnd type="triangle"/>
+            </a:ln>
+          </p:spPr>
+          <p:style>
+            <a:lnRef idx="1">
+              <a:schemeClr val="accent1"/>
+            </a:lnRef>
+            <a:fillRef idx="0">
+              <a:schemeClr val="accent1"/>
+            </a:fillRef>
+            <a:effectRef idx="0">
+              <a:schemeClr val="accent1"/>
+            </a:effectRef>
+            <a:fontRef idx="minor">
+              <a:schemeClr val="tx1"/>
+            </a:fontRef>
+          </p:style>
+        </p:cxnSp>
+        <p:cxnSp>
+          <p:nvCxnSpPr>
+            <p:cNvPr id="11" name="Straight Arrow Connector 10">
+              <a:extLst>
+                <a:ext uri="{FF2B5EF4-FFF2-40B4-BE49-F238E27FC236}">
+                  <a16:creationId xmlns:a16="http://schemas.microsoft.com/office/drawing/2014/main" id="{EEDCB025-A4B3-A94B-8A98-5434A750111D}"/>
+                </a:ext>
+              </a:extLst>
+            </p:cNvPr>
+            <p:cNvCxnSpPr>
+              <a:cxnSpLocks/>
+              <a:stCxn id="4" idx="2"/>
+              <a:endCxn id="6" idx="0"/>
+            </p:cNvCxnSpPr>
+            <p:nvPr/>
+          </p:nvCxnSpPr>
+          <p:spPr>
+            <a:xfrm>
+              <a:off x="5917320" y="1234970"/>
+              <a:ext cx="793533" cy="266544"/>
+            </a:xfrm>
+            <a:prstGeom prst="straightConnector1">
+              <a:avLst/>
+            </a:prstGeom>
+            <a:ln w="38100">
+              <a:tailEnd type="triangle"/>
+            </a:ln>
+          </p:spPr>
+          <p:style>
+            <a:lnRef idx="1">
+              <a:schemeClr val="accent1"/>
+            </a:lnRef>
+            <a:fillRef idx="0">
+              <a:schemeClr val="accent1"/>
+            </a:fillRef>
+            <a:effectRef idx="0">
+              <a:schemeClr val="accent1"/>
+            </a:effectRef>
+            <a:fontRef idx="minor">
+              <a:schemeClr val="tx1"/>
+            </a:fontRef>
+          </p:style>
+        </p:cxnSp>
+      </p:grpSp>
+    </p:spTree>
+    <p:extLst>
+      <p:ext uri="{BB962C8B-B14F-4D97-AF65-F5344CB8AC3E}">
+        <p14:creationId xmlns:p14="http://schemas.microsoft.com/office/powerpoint/2010/main" val="345959633"/>
+      </p:ext>
+    </p:extLst>
+  </p:cSld>
+  <p:clrMapOvr>
+    <a:masterClrMapping/>
+  </p:clrMapOvr>
+</p:sld>
+</file>
+
+<file path=ppt/slides/slide7.xml><?xml version="1.0" encoding="utf-8"?>
+<p:sld xmlns:a="http://schemas.openxmlformats.org/drawingml/2006/main" xmlns:r="http://schemas.openxmlformats.org/officeDocument/2006/relationships" xmlns:p="http://schemas.openxmlformats.org/presentationml/2006/main">
+  <p:cSld>
+    <p:bg>
+      <p:bgPr>
+        <a:solidFill>
+          <a:schemeClr val="bg1"/>
+        </a:solidFill>
+        <a:effectLst/>
+      </p:bgPr>
+    </p:bg>
+    <p:spTree>
+      <p:nvGrpSpPr>
+        <p:cNvPr id="1" name=""/>
+        <p:cNvGrpSpPr/>
+        <p:nvPr/>
+      </p:nvGrpSpPr>
+      <p:grpSpPr>
+        <a:xfrm>
+          <a:off x="0" y="0"/>
+          <a:ext cx="0" cy="0"/>
+          <a:chOff x="0" y="0"/>
+          <a:chExt cx="0" cy="0"/>
+        </a:xfrm>
+      </p:grpSpPr>
+      <p:sp>
+        <p:nvSpPr>
+          <p:cNvPr id="9" name="Rectangle 8">
+            <a:extLst>
+              <a:ext uri="{FF2B5EF4-FFF2-40B4-BE49-F238E27FC236}">
+                <a16:creationId xmlns:a16="http://schemas.microsoft.com/office/drawing/2014/main" id="{F3060C83-F051-4F0E-ABAD-AA0DFC48B218}"/>
+              </a:ext>
+              <a:ext uri="{C183D7F6-B498-43B3-948B-1728B52AA6E4}">
+                <adec:decorative xmlns:adec="http://schemas.microsoft.com/office/drawing/2017/decorative" val="1"/>
+              </a:ext>
+            </a:extLst>
+          </p:cNvPr>
+          <p:cNvSpPr>
+            <a:spLocks noGrp="1" noRot="1" noChangeAspect="1" noMove="1" noResize="1" noEditPoints="1" noAdjustHandles="1" noChangeArrowheads="1" noChangeShapeType="1" noTextEdit="1"/>
+          </p:cNvSpPr>
+          <p:nvPr>
+            <p:extLst>
+              <p:ext uri="{386F3935-93C4-4BCD-93E2-E3B085C9AB24}">
+                <p16:designElem xmlns:p16="http://schemas.microsoft.com/office/powerpoint/2015/main" val="1"/>
+              </p:ext>
+            </p:extLst>
+          </p:nvPr>
+        </p:nvSpPr>
+        <p:spPr>
+          <a:xfrm>
+            <a:off x="0" y="0"/>
+            <a:ext cx="12192000" cy="6858000"/>
+          </a:xfrm>
+          <a:prstGeom prst="rect">
+            <a:avLst/>
+          </a:prstGeom>
+          <a:solidFill>
+            <a:schemeClr val="bg1"/>
+          </a:solidFill>
+          <a:ln>
+            <a:noFill/>
+          </a:ln>
+        </p:spPr>
+        <p:style>
+          <a:lnRef idx="2">
+            <a:schemeClr val="accent1">
+              <a:shade val="50000"/>
+            </a:schemeClr>
+          </a:lnRef>
+          <a:fillRef idx="1">
+            <a:schemeClr val="accent1"/>
+          </a:fillRef>
+          <a:effectRef idx="0">
+            <a:schemeClr val="accent1"/>
+          </a:effectRef>
+          <a:fontRef idx="minor">
+            <a:schemeClr val="lt1"/>
+          </a:fontRef>
+        </p:style>
+        <p:txBody>
+          <a:bodyPr rtlCol="0" anchor="ctr"/>
+          <a:lstStyle/>
+          <a:p>
+            <a:pPr algn="ctr"/>
+            <a:endParaRPr lang="en-US" dirty="0"/>
+          </a:p>
+        </p:txBody>
+      </p:sp>
+      <p:sp>
+        <p:nvSpPr>
+          <p:cNvPr id="11" name="Freeform: Shape 10">
+            <a:extLst>
+              <a:ext uri="{FF2B5EF4-FFF2-40B4-BE49-F238E27FC236}">
+                <a16:creationId xmlns:a16="http://schemas.microsoft.com/office/drawing/2014/main" id="{83C98ABE-055B-441F-B07E-44F97F083C39}"/>
+              </a:ext>
+              <a:ext uri="{C183D7F6-B498-43B3-948B-1728B52AA6E4}">
+                <adec:decorative xmlns:adec="http://schemas.microsoft.com/office/drawing/2017/decorative" val="1"/>
+              </a:ext>
+            </a:extLst>
+          </p:cNvPr>
+          <p:cNvSpPr>
+            <a:spLocks noGrp="1" noRot="1" noChangeAspect="1" noMove="1" noResize="1" noEditPoints="1" noAdjustHandles="1" noChangeArrowheads="1" noChangeShapeType="1" noTextEdit="1"/>
+          </p:cNvSpPr>
+          <p:nvPr>
+            <p:extLst>
+              <p:ext uri="{386F3935-93C4-4BCD-93E2-E3B085C9AB24}">
+                <p16:designElem xmlns:p16="http://schemas.microsoft.com/office/powerpoint/2015/main" val="1"/>
+              </p:ext>
+            </p:extLst>
+          </p:nvPr>
+        </p:nvSpPr>
+        <p:spPr>
+          <a:xfrm rot="18900000" flipH="1">
+            <a:off x="-376156" y="-253670"/>
+            <a:ext cx="1827638" cy="1376989"/>
+          </a:xfrm>
+          <a:custGeom>
+            <a:avLst/>
+            <a:gdLst>
+              <a:gd name="connsiteX0" fmla="*/ 0 w 1827638"/>
+              <a:gd name="connsiteY0" fmla="*/ 987379 h 1376989"/>
+              <a:gd name="connsiteX1" fmla="*/ 987379 w 1827638"/>
+              <a:gd name="connsiteY1" fmla="*/ 0 h 1376989"/>
+              <a:gd name="connsiteX2" fmla="*/ 1827638 w 1827638"/>
+              <a:gd name="connsiteY2" fmla="*/ 840260 h 1376989"/>
+              <a:gd name="connsiteX3" fmla="*/ 1827638 w 1827638"/>
+              <a:gd name="connsiteY3" fmla="*/ 1376989 h 1376989"/>
+              <a:gd name="connsiteX4" fmla="*/ 0 w 1827638"/>
+              <a:gd name="connsiteY4" fmla="*/ 1376989 h 1376989"/>
+            </a:gdLst>
+            <a:ahLst/>
+            <a:cxnLst>
+              <a:cxn ang="0">
+                <a:pos x="connsiteX0" y="connsiteY0"/>
+              </a:cxn>
+              <a:cxn ang="0">
+                <a:pos x="connsiteX1" y="connsiteY1"/>
+              </a:cxn>
+              <a:cxn ang="0">
+                <a:pos x="connsiteX2" y="connsiteY2"/>
+              </a:cxn>
+              <a:cxn ang="0">
+                <a:pos x="connsiteX3" y="connsiteY3"/>
+              </a:cxn>
+              <a:cxn ang="0">
+                <a:pos x="connsiteX4" y="connsiteY4"/>
+              </a:cxn>
+            </a:cxnLst>
+            <a:rect l="l" t="t" r="r" b="b"/>
+            <a:pathLst>
+              <a:path w="1827638" h="1376989">
+                <a:moveTo>
+                  <a:pt x="0" y="987379"/>
+                </a:moveTo>
+                <a:lnTo>
+                  <a:pt x="987379" y="0"/>
+                </a:lnTo>
+                <a:lnTo>
+                  <a:pt x="1827638" y="840260"/>
+                </a:lnTo>
+                <a:lnTo>
+                  <a:pt x="1827638" y="1376989"/>
+                </a:lnTo>
+                <a:lnTo>
+                  <a:pt x="0" y="1376989"/>
+                </a:lnTo>
+                <a:close/>
+              </a:path>
+            </a:pathLst>
+          </a:custGeom>
+          <a:solidFill>
+            <a:schemeClr val="accent1">
+              <a:alpha val="30000"/>
+            </a:schemeClr>
+          </a:solidFill>
+          <a:ln>
+            <a:noFill/>
+          </a:ln>
+        </p:spPr>
+        <p:style>
+          <a:lnRef idx="2">
+            <a:schemeClr val="accent1">
+              <a:shade val="50000"/>
+            </a:schemeClr>
+          </a:lnRef>
+          <a:fillRef idx="1">
+            <a:schemeClr val="accent1"/>
+          </a:fillRef>
+          <a:effectRef idx="0">
+            <a:schemeClr val="accent1"/>
+          </a:effectRef>
+          <a:fontRef idx="minor">
+            <a:schemeClr val="lt1"/>
+          </a:fontRef>
+        </p:style>
+        <p:txBody>
+          <a:bodyPr rtlCol="0" anchor="ctr"/>
+          <a:lstStyle/>
+          <a:p>
+            <a:pPr algn="ctr"/>
+            <a:endParaRPr lang="en-US" dirty="0"/>
+          </a:p>
+        </p:txBody>
+      </p:sp>
+      <p:sp>
+        <p:nvSpPr>
+          <p:cNvPr id="13" name="Rectangle 12">
+            <a:extLst>
+              <a:ext uri="{FF2B5EF4-FFF2-40B4-BE49-F238E27FC236}">
+                <a16:creationId xmlns:a16="http://schemas.microsoft.com/office/drawing/2014/main" id="{29FDB030-9B49-4CED-8CCD-4D99382388AC}"/>
+              </a:ext>
+              <a:ext uri="{C183D7F6-B498-43B3-948B-1728B52AA6E4}">
+                <adec:decorative xmlns:adec="http://schemas.microsoft.com/office/drawing/2017/decorative" val="1"/>
+              </a:ext>
+            </a:extLst>
+          </p:cNvPr>
+          <p:cNvSpPr>
+            <a:spLocks noGrp="1" noRot="1" noChangeAspect="1" noMove="1" noResize="1" noEditPoints="1" noAdjustHandles="1" noChangeArrowheads="1" noChangeShapeType="1" noTextEdit="1"/>
+          </p:cNvSpPr>
+          <p:nvPr>
+            <p:extLst>
+              <p:ext uri="{386F3935-93C4-4BCD-93E2-E3B085C9AB24}">
+                <p16:designElem xmlns:p16="http://schemas.microsoft.com/office/powerpoint/2015/main" val="1"/>
+              </p:ext>
+            </p:extLst>
+          </p:nvPr>
+        </p:nvSpPr>
+        <p:spPr>
+          <a:xfrm rot="18900000" flipH="1">
+            <a:off x="891641" y="422146"/>
+            <a:ext cx="645368" cy="645368"/>
+          </a:xfrm>
+          <a:prstGeom prst="rect">
+            <a:avLst/>
+          </a:prstGeom>
+          <a:solidFill>
+            <a:schemeClr val="accent1">
+              <a:alpha val="30000"/>
+            </a:schemeClr>
+          </a:solidFill>
+          <a:ln>
+            <a:noFill/>
+          </a:ln>
+        </p:spPr>
+        <p:style>
+          <a:lnRef idx="2">
+            <a:schemeClr val="accent1">
+              <a:shade val="50000"/>
+            </a:schemeClr>
+          </a:lnRef>
+          <a:fillRef idx="1">
+            <a:schemeClr val="accent1"/>
+          </a:fillRef>
+          <a:effectRef idx="0">
+            <a:schemeClr val="accent1"/>
+          </a:effectRef>
+          <a:fontRef idx="minor">
+            <a:schemeClr val="lt1"/>
+          </a:fontRef>
+        </p:style>
+        <p:txBody>
+          <a:bodyPr rtlCol="0" anchor="ctr"/>
+          <a:lstStyle/>
+          <a:p>
+            <a:pPr algn="ctr"/>
+            <a:endParaRPr lang="en-US"/>
+          </a:p>
+        </p:txBody>
+      </p:sp>
+      <p:sp>
+        <p:nvSpPr>
+          <p:cNvPr id="15" name="Rectangle 14">
+            <a:extLst>
+              <a:ext uri="{FF2B5EF4-FFF2-40B4-BE49-F238E27FC236}">
+                <a16:creationId xmlns:a16="http://schemas.microsoft.com/office/drawing/2014/main" id="{3783CA14-24A1-485C-8B30-D6A5D87987AD}"/>
+              </a:ext>
+              <a:ext uri="{C183D7F6-B498-43B3-948B-1728B52AA6E4}">
+                <adec:decorative xmlns:adec="http://schemas.microsoft.com/office/drawing/2017/decorative" val="1"/>
+              </a:ext>
+            </a:extLst>
+          </p:cNvPr>
+          <p:cNvSpPr>
+            <a:spLocks noGrp="1" noRot="1" noChangeAspect="1" noMove="1" noResize="1" noEditPoints="1" noAdjustHandles="1" noChangeArrowheads="1" noChangeShapeType="1" noTextEdit="1"/>
+          </p:cNvSpPr>
+          <p:nvPr>
+            <p:extLst>
+              <p:ext uri="{386F3935-93C4-4BCD-93E2-E3B085C9AB24}">
+                <p16:designElem xmlns:p16="http://schemas.microsoft.com/office/powerpoint/2015/main" val="1"/>
+              </p:ext>
+            </p:extLst>
+          </p:nvPr>
+        </p:nvSpPr>
+        <p:spPr>
+          <a:xfrm rot="18900000" flipH="1">
+            <a:off x="10043482" y="655140"/>
+            <a:ext cx="687472" cy="687472"/>
+          </a:xfrm>
+          <a:prstGeom prst="rect">
+            <a:avLst/>
+          </a:prstGeom>
+          <a:solidFill>
+            <a:schemeClr val="accent4">
+              <a:alpha val="30000"/>
+            </a:schemeClr>
+          </a:solidFill>
+          <a:ln>
+            <a:noFill/>
+          </a:ln>
+        </p:spPr>
+        <p:style>
+          <a:lnRef idx="2">
+            <a:schemeClr val="accent1">
+              <a:shade val="50000"/>
+            </a:schemeClr>
+          </a:lnRef>
+          <a:fillRef idx="1">
+            <a:schemeClr val="accent1"/>
+          </a:fillRef>
+          <a:effectRef idx="0">
+            <a:schemeClr val="accent1"/>
+          </a:effectRef>
+          <a:fontRef idx="minor">
+            <a:schemeClr val="lt1"/>
+          </a:fontRef>
+        </p:style>
+        <p:txBody>
+          <a:bodyPr rtlCol="0" anchor="ctr"/>
+          <a:lstStyle/>
+          <a:p>
+            <a:pPr algn="ctr"/>
+            <a:endParaRPr lang="en-US"/>
+          </a:p>
+        </p:txBody>
+      </p:sp>
+      <p:sp>
+        <p:nvSpPr>
+          <p:cNvPr id="17" name="Freeform: Shape 16">
+            <a:extLst>
+              <a:ext uri="{FF2B5EF4-FFF2-40B4-BE49-F238E27FC236}">
+                <a16:creationId xmlns:a16="http://schemas.microsoft.com/office/drawing/2014/main" id="{9A97C86A-04D6-40F7-AE84-31AB43E6A846}"/>
+              </a:ext>
+              <a:ext uri="{C183D7F6-B498-43B3-948B-1728B52AA6E4}">
+                <adec:decorative xmlns:adec="http://schemas.microsoft.com/office/drawing/2017/decorative" val="1"/>
+              </a:ext>
+            </a:extLst>
+          </p:cNvPr>
+          <p:cNvSpPr>
+            <a:spLocks noGrp="1" noRot="1" noChangeAspect="1" noMove="1" noResize="1" noEditPoints="1" noAdjustHandles="1" noChangeArrowheads="1" noChangeShapeType="1" noTextEdit="1"/>
+          </p:cNvSpPr>
+          <p:nvPr>
+            <p:extLst>
+              <p:ext uri="{386F3935-93C4-4BCD-93E2-E3B085C9AB24}">
+                <p16:designElem xmlns:p16="http://schemas.microsoft.com/office/powerpoint/2015/main" val="1"/>
+              </p:ext>
+            </p:extLst>
+          </p:nvPr>
+        </p:nvSpPr>
+        <p:spPr>
+          <a:xfrm rot="10800000" flipH="1">
+            <a:off x="9356643" y="0"/>
+            <a:ext cx="2835357" cy="1480837"/>
+          </a:xfrm>
+          <a:custGeom>
+            <a:avLst/>
+            <a:gdLst>
+              <a:gd name="connsiteX0" fmla="*/ 2835357 w 2835357"/>
+              <a:gd name="connsiteY0" fmla="*/ 1480837 h 1480837"/>
+              <a:gd name="connsiteX1" fmla="*/ 0 w 2835357"/>
+              <a:gd name="connsiteY1" fmla="*/ 1480837 h 1480837"/>
+              <a:gd name="connsiteX2" fmla="*/ 1552727 w 2835357"/>
+              <a:gd name="connsiteY2" fmla="*/ 0 h 1480837"/>
+              <a:gd name="connsiteX3" fmla="*/ 2835357 w 2835357"/>
+              <a:gd name="connsiteY3" fmla="*/ 1223245 h 1480837"/>
+            </a:gdLst>
+            <a:ahLst/>
+            <a:cxnLst>
+              <a:cxn ang="0">
+                <a:pos x="connsiteX0" y="connsiteY0"/>
+              </a:cxn>
+              <a:cxn ang="0">
+                <a:pos x="connsiteX1" y="connsiteY1"/>
+              </a:cxn>
+              <a:cxn ang="0">
+                <a:pos x="connsiteX2" y="connsiteY2"/>
+              </a:cxn>
+              <a:cxn ang="0">
+                <a:pos x="connsiteX3" y="connsiteY3"/>
+              </a:cxn>
+            </a:cxnLst>
+            <a:rect l="l" t="t" r="r" b="b"/>
+            <a:pathLst>
+              <a:path w="2835357" h="1480837">
+                <a:moveTo>
+                  <a:pt x="2835357" y="1480837"/>
+                </a:moveTo>
+                <a:lnTo>
+                  <a:pt x="0" y="1480837"/>
+                </a:lnTo>
+                <a:lnTo>
+                  <a:pt x="1552727" y="0"/>
+                </a:lnTo>
+                <a:lnTo>
+                  <a:pt x="2835357" y="1223245"/>
+                </a:lnTo>
+                <a:close/>
+              </a:path>
+            </a:pathLst>
+          </a:custGeom>
+          <a:solidFill>
+            <a:schemeClr val="accent4">
+              <a:alpha val="30000"/>
+            </a:schemeClr>
+          </a:solidFill>
+          <a:ln>
+            <a:noFill/>
+          </a:ln>
+        </p:spPr>
+        <p:style>
+          <a:lnRef idx="2">
+            <a:schemeClr val="accent1">
+              <a:shade val="50000"/>
+            </a:schemeClr>
+          </a:lnRef>
+          <a:fillRef idx="1">
+            <a:schemeClr val="accent1"/>
+          </a:fillRef>
+          <a:effectRef idx="0">
+            <a:schemeClr val="accent1"/>
+          </a:effectRef>
+          <a:fontRef idx="minor">
+            <a:schemeClr val="lt1"/>
+          </a:fontRef>
+        </p:style>
+        <p:txBody>
+          <a:bodyPr wrap="square" rtlCol="0" anchor="ctr">
+            <a:noAutofit/>
+          </a:bodyPr>
+          <a:lstStyle/>
+          <a:p>
+            <a:pPr algn="ctr"/>
+            <a:endParaRPr lang="en-US" dirty="0"/>
+          </a:p>
+        </p:txBody>
+      </p:sp>
+      <p:sp>
+        <p:nvSpPr>
+          <p:cNvPr id="19" name="Isosceles Triangle 18">
+            <a:extLst>
+              <a:ext uri="{FF2B5EF4-FFF2-40B4-BE49-F238E27FC236}">
+                <a16:creationId xmlns:a16="http://schemas.microsoft.com/office/drawing/2014/main" id="{FF9F2414-84E8-453E-B1F3-389FDE8192D9}"/>
+              </a:ext>
+              <a:ext uri="{C183D7F6-B498-43B3-948B-1728B52AA6E4}">
+                <adec:decorative xmlns:adec="http://schemas.microsoft.com/office/drawing/2017/decorative" val="1"/>
+              </a:ext>
+            </a:extLst>
+          </p:cNvPr>
+          <p:cNvSpPr>
+            <a:spLocks noGrp="1" noRot="1" noChangeAspect="1" noMove="1" noResize="1" noEditPoints="1" noAdjustHandles="1" noChangeArrowheads="1" noChangeShapeType="1" noTextEdit="1"/>
+          </p:cNvSpPr>
+          <p:nvPr>
+            <p:extLst>
+              <p:ext uri="{386F3935-93C4-4BCD-93E2-E3B085C9AB24}">
+                <p16:designElem xmlns:p16="http://schemas.microsoft.com/office/powerpoint/2015/main" val="1"/>
+              </p:ext>
+            </p:extLst>
+          </p:nvPr>
+        </p:nvSpPr>
+        <p:spPr>
+          <a:xfrm flipH="1">
+            <a:off x="7976344" y="6115501"/>
+            <a:ext cx="1494513" cy="742499"/>
+          </a:xfrm>
+          <a:prstGeom prst="triangle">
+            <a:avLst/>
+          </a:prstGeom>
+          <a:solidFill>
+            <a:schemeClr val="accent1">
+              <a:alpha val="30000"/>
+            </a:schemeClr>
+          </a:solidFill>
+          <a:ln>
+            <a:noFill/>
+          </a:ln>
+        </p:spPr>
+        <p:style>
+          <a:lnRef idx="2">
+            <a:schemeClr val="accent1">
+              <a:shade val="50000"/>
+            </a:schemeClr>
+          </a:lnRef>
+          <a:fillRef idx="1">
+            <a:schemeClr val="accent1"/>
+          </a:fillRef>
+          <a:effectRef idx="0">
+            <a:schemeClr val="accent1"/>
+          </a:effectRef>
+          <a:fontRef idx="minor">
+            <a:schemeClr val="lt1"/>
+          </a:fontRef>
+        </p:style>
+        <p:txBody>
+          <a:bodyPr rtlCol="0" anchor="ctr"/>
+          <a:lstStyle/>
+          <a:p>
+            <a:pPr algn="ctr"/>
+            <a:endParaRPr lang="en-US"/>
+          </a:p>
+        </p:txBody>
+      </p:sp>
+      <p:pic>
+        <p:nvPicPr>
+          <p:cNvPr id="4" name="Picture 3">
+            <a:extLst>
+              <a:ext uri="{FF2B5EF4-FFF2-40B4-BE49-F238E27FC236}">
+                <a16:creationId xmlns:a16="http://schemas.microsoft.com/office/drawing/2014/main" id="{3E7F802E-31DB-704A-9746-B2A54082A6A6}"/>
+              </a:ext>
+            </a:extLst>
+          </p:cNvPr>
+          <p:cNvPicPr>
+            <a:picLocks noChangeAspect="1"/>
+          </p:cNvPicPr>
+          <p:nvPr/>
+        </p:nvPicPr>
+        <p:blipFill>
+          <a:blip r:embed="rId2"/>
+          <a:stretch>
+            <a:fillRect/>
+          </a:stretch>
+        </p:blipFill>
+        <p:spPr>
+          <a:xfrm>
+            <a:off x="1165854" y="643467"/>
+            <a:ext cx="9860292" cy="5571065"/>
+          </a:xfrm>
+          <a:prstGeom prst="rect">
+            <a:avLst/>
+          </a:prstGeom>
+          <a:ln>
+            <a:noFill/>
+          </a:ln>
+        </p:spPr>
+      </p:pic>
+      <p:sp>
+        <p:nvSpPr>
+          <p:cNvPr id="21" name="Isosceles Triangle 20">
+            <a:extLst>
+              <a:ext uri="{FF2B5EF4-FFF2-40B4-BE49-F238E27FC236}">
+                <a16:creationId xmlns:a16="http://schemas.microsoft.com/office/drawing/2014/main" id="{3ECA69A1-7536-43AC-85EF-C7106179F5ED}"/>
+              </a:ext>
+              <a:ext uri="{C183D7F6-B498-43B3-948B-1728B52AA6E4}">
+                <adec:decorative xmlns:adec="http://schemas.microsoft.com/office/drawing/2017/decorative" val="1"/>
+              </a:ext>
+            </a:extLst>
+          </p:cNvPr>
+          <p:cNvSpPr>
+            <a:spLocks noGrp="1" noRot="1" noChangeAspect="1" noMove="1" noResize="1" noEditPoints="1" noAdjustHandles="1" noChangeArrowheads="1" noChangeShapeType="1" noTextEdit="1"/>
+          </p:cNvSpPr>
+          <p:nvPr>
+            <p:extLst>
+              <p:ext uri="{386F3935-93C4-4BCD-93E2-E3B085C9AB24}">
+                <p16:designElem xmlns:p16="http://schemas.microsoft.com/office/powerpoint/2015/main" val="1"/>
+              </p:ext>
+            </p:extLst>
+          </p:nvPr>
+        </p:nvSpPr>
+        <p:spPr>
+          <a:xfrm flipH="1">
+            <a:off x="7604080" y="6453143"/>
+            <a:ext cx="814903" cy="404857"/>
+          </a:xfrm>
+          <a:prstGeom prst="triangle">
+            <a:avLst/>
+          </a:prstGeom>
+          <a:solidFill>
+            <a:schemeClr val="accent1">
+              <a:alpha val="30000"/>
+            </a:schemeClr>
+          </a:solidFill>
+          <a:ln>
+            <a:noFill/>
+          </a:ln>
+        </p:spPr>
+        <p:style>
+          <a:lnRef idx="2">
+            <a:schemeClr val="accent1">
+              <a:shade val="50000"/>
+            </a:schemeClr>
+          </a:lnRef>
+          <a:fillRef idx="1">
+            <a:schemeClr val="accent1"/>
+          </a:fillRef>
+          <a:effectRef idx="0">
+            <a:schemeClr val="accent1"/>
+          </a:effectRef>
+          <a:fontRef idx="minor">
+            <a:schemeClr val="lt1"/>
+          </a:fontRef>
+        </p:style>
+        <p:txBody>
+          <a:bodyPr rtlCol="0" anchor="ctr"/>
+          <a:lstStyle/>
+          <a:p>
+            <a:pPr algn="ctr"/>
+            <a:endParaRPr lang="en-US"/>
+          </a:p>
+        </p:txBody>
+      </p:sp>
+    </p:spTree>
+    <p:extLst>
+      <p:ext uri="{BB962C8B-B14F-4D97-AF65-F5344CB8AC3E}">
+        <p14:creationId xmlns:p14="http://schemas.microsoft.com/office/powerpoint/2010/main" val="3536051447"/>
+      </p:ext>
+    </p:extLst>
+  </p:cSld>
+  <p:clrMapOvr>
+    <a:masterClrMapping/>
+  </p:clrMapOvr>
+</p:sld>
+</file>
+
 <file path=ppt/theme/theme1.xml><?xml version="1.0" encoding="utf-8"?>
 <a:theme xmlns:a="http://schemas.openxmlformats.org/drawingml/2006/main" name="Office Theme">
   <a:themeElements>
